--- a/slides/recurrences_live.pptx
+++ b/slides/recurrences_live.pptx
@@ -5,28 +5,40 @@
     <p:sldMasterId id="2147483705" r:id="rId1"/>
   </p:sldMasterIdLst>
   <p:notesMasterIdLst>
-    <p:notesMasterId r:id="rId13"/>
+    <p:notesMasterId r:id="rId25"/>
   </p:notesMasterIdLst>
   <p:handoutMasterIdLst>
-    <p:handoutMasterId r:id="rId14"/>
+    <p:handoutMasterId r:id="rId26"/>
   </p:handoutMasterIdLst>
   <p:sldIdLst>
     <p:sldId id="512" r:id="rId2"/>
     <p:sldId id="541" r:id="rId3"/>
-    <p:sldId id="423" r:id="rId4"/>
-    <p:sldId id="577" r:id="rId5"/>
-    <p:sldId id="578" r:id="rId6"/>
-    <p:sldId id="561" r:id="rId7"/>
-    <p:sldId id="579" r:id="rId8"/>
-    <p:sldId id="576" r:id="rId9"/>
-    <p:sldId id="476" r:id="rId10"/>
-    <p:sldId id="581" r:id="rId11"/>
-    <p:sldId id="582" r:id="rId12"/>
+    <p:sldId id="585" r:id="rId4"/>
+    <p:sldId id="586" r:id="rId5"/>
+    <p:sldId id="587" r:id="rId6"/>
+    <p:sldId id="588" r:id="rId7"/>
+    <p:sldId id="589" r:id="rId8"/>
+    <p:sldId id="590" r:id="rId9"/>
+    <p:sldId id="584" r:id="rId10"/>
+    <p:sldId id="423" r:id="rId11"/>
+    <p:sldId id="591" r:id="rId12"/>
+    <p:sldId id="577" r:id="rId13"/>
+    <p:sldId id="578" r:id="rId14"/>
+    <p:sldId id="561" r:id="rId15"/>
+    <p:sldId id="592" r:id="rId16"/>
+    <p:sldId id="579" r:id="rId17"/>
+    <p:sldId id="583" r:id="rId18"/>
+    <p:sldId id="576" r:id="rId19"/>
+    <p:sldId id="476" r:id="rId20"/>
+    <p:sldId id="581" r:id="rId21"/>
+    <p:sldId id="593" r:id="rId22"/>
+    <p:sldId id="582" r:id="rId23"/>
+    <p:sldId id="594" r:id="rId24"/>
   </p:sldIdLst>
   <p:sldSz cx="9144000" cy="6858000" type="screen4x3"/>
   <p:notesSz cx="7315200" cy="9601200"/>
   <p:custDataLst>
-    <p:tags r:id="rId15"/>
+    <p:tags r:id="rId27"/>
   </p:custDataLst>
   <p:defaultTextStyle>
     <a:defPPr>
@@ -1007,7 +1019,7 @@
             <a:fld id="{7AA5AD8F-F3B0-42A1-BADE-3E121779D997}" type="datetime1">
               <a:rPr lang="en-US" smtClean="0"/>
               <a:pPr/>
-              <a:t>2/6/21</a:t>
+              <a:t>2/8/21</a:t>
             </a:fld>
             <a:endParaRPr lang="en-US"/>
           </a:p>
@@ -1367,7 +1379,7 @@
             <a:fld id="{70B371D5-F170-4574-829E-67713AA2AF8B}" type="datetime1">
               <a:rPr lang="en-US" smtClean="0"/>
               <a:pPr/>
-              <a:t>2/6/21</a:t>
+              <a:t>2/8/21</a:t>
             </a:fld>
             <a:endParaRPr lang="en-US"/>
           </a:p>
@@ -1543,7 +1555,7 @@
             <a:fld id="{41DEAF00-D1FE-4F71-8891-85EEE31B7478}" type="datetime1">
               <a:rPr lang="en-US" smtClean="0"/>
               <a:pPr/>
-              <a:t>2/6/21</a:t>
+              <a:t>2/8/21</a:t>
             </a:fld>
             <a:endParaRPr lang="en-US"/>
           </a:p>
@@ -1860,7 +1872,7 @@
             <a:fld id="{94B9C8BD-ED75-4439-AD6B-9DD62AAFC8D9}" type="datetime1">
               <a:rPr lang="en-US" smtClean="0"/>
               <a:pPr/>
-              <a:t>2/6/21</a:t>
+              <a:t>2/8/21</a:t>
             </a:fld>
             <a:endParaRPr lang="en-US"/>
           </a:p>
@@ -2146,7 +2158,7 @@
             <a:fld id="{ECD93607-5884-4A96-A08B-80229D166DF1}" type="datetime1">
               <a:rPr lang="en-US" smtClean="0"/>
               <a:pPr/>
-              <a:t>2/6/21</a:t>
+              <a:t>2/8/21</a:t>
             </a:fld>
             <a:endParaRPr lang="en-US"/>
           </a:p>
@@ -2367,7 +2379,7 @@
             <a:fld id="{6F102B80-C461-45FB-9371-DFC9B0CCC0E5}" type="datetime1">
               <a:rPr lang="en-US" smtClean="0"/>
               <a:pPr/>
-              <a:t>2/6/21</a:t>
+              <a:t>2/8/21</a:t>
             </a:fld>
             <a:endParaRPr lang="en-US"/>
           </a:p>
@@ -2720,7 +2732,7 @@
             <a:fld id="{EA9CD99D-5207-446B-9DC5-D0DDD2D44051}" type="datetime1">
               <a:rPr lang="en-US" smtClean="0"/>
               <a:pPr/>
-              <a:t>2/6/21</a:t>
+              <a:t>2/8/21</a:t>
             </a:fld>
             <a:endParaRPr lang="en-US"/>
           </a:p>
@@ -2953,7 +2965,7 @@
             <a:fld id="{72673F1E-8F53-44C8-9921-41D9D265AD14}" type="datetime1">
               <a:rPr lang="en-US" smtClean="0"/>
               <a:pPr/>
-              <a:t>2/6/21</a:t>
+              <a:t>2/8/21</a:t>
             </a:fld>
             <a:endParaRPr lang="en-US"/>
           </a:p>
@@ -3095,7 +3107,7 @@
             <a:fld id="{E298527C-C606-48C4-B4D5-2567D6898083}" type="datetime1">
               <a:rPr lang="en-US" smtClean="0"/>
               <a:pPr/>
-              <a:t>2/6/21</a:t>
+              <a:t>2/8/21</a:t>
             </a:fld>
             <a:endParaRPr lang="en-US"/>
           </a:p>
@@ -3373,7 +3385,7 @@
             <a:fld id="{1539330C-42EA-483B-AECF-1BED7029D168}" type="datetime1">
               <a:rPr lang="en-US" smtClean="0"/>
               <a:pPr/>
-              <a:t>2/6/21</a:t>
+              <a:t>2/8/21</a:t>
             </a:fld>
             <a:endParaRPr lang="en-US"/>
           </a:p>
@@ -3781,7 +3793,7 @@
             <a:fld id="{6164C552-CBA0-44FF-B21C-CCB2A0CE4F32}" type="datetime1">
               <a:rPr lang="en-US" smtClean="0"/>
               <a:pPr/>
-              <a:t>2/6/21</a:t>
+              <a:t>2/8/21</a:t>
             </a:fld>
             <a:endParaRPr lang="en-US"/>
           </a:p>
@@ -4120,7 +4132,7 @@
             <a:fld id="{616F3C91-9847-4E06-A788-F916DE9E864B}" type="datetime1">
               <a:rPr lang="en-US" smtClean="0"/>
               <a:pPr/>
-              <a:t>2/6/21</a:t>
+              <a:t>2/8/21</a:t>
             </a:fld>
             <a:endParaRPr lang="en-US"/>
           </a:p>
@@ -4666,7 +4678,7 @@
       </p:grpSpPr>
       <p:sp>
         <p:nvSpPr>
-          <p:cNvPr id="45058" name="Rectangle 2"/>
+          <p:cNvPr id="36866" name="Rectangle 2"/>
           <p:cNvSpPr>
             <a:spLocks noGrp="1" noChangeArrowheads="1"/>
           </p:cNvSpPr>
@@ -4679,21 +4691,21 @@
         </p:nvSpPr>
         <p:spPr/>
         <p:txBody>
-          <a:bodyPr/>
-          <a:lstStyle/>
-          <a:p>
-            <a:r>
-              <a:rPr lang="en-US" dirty="0">
-                <a:sym typeface="Symbol" charset="2"/>
-              </a:rPr>
-              <a:t>Problems to Try: Solutions</a:t>
-            </a:r>
-          </a:p>
-        </p:txBody>
-      </p:sp>
-      <p:sp>
-        <p:nvSpPr>
-          <p:cNvPr id="4" name="Slide Number Placeholder 3"/>
+          <a:bodyPr>
+            <a:normAutofit/>
+          </a:bodyPr>
+          <a:lstStyle/>
+          <a:p>
+            <a:r>
+              <a:rPr lang="en-US" dirty="0"/>
+              <a:t>Substitution Method: Subtleties</a:t>
+            </a:r>
+          </a:p>
+        </p:txBody>
+      </p:sp>
+      <p:sp>
+        <p:nvSpPr>
+          <p:cNvPr id="6" name="Slide Number Placeholder 5"/>
           <p:cNvSpPr>
             <a:spLocks noGrp="1"/>
           </p:cNvSpPr>
@@ -4717,7 +4729,7 @@
       </p:sp>
       <p:sp>
         <p:nvSpPr>
-          <p:cNvPr id="45059" name="Rectangle 3"/>
+          <p:cNvPr id="36867" name="Rectangle 3"/>
           <p:cNvSpPr>
             <a:spLocks noGrp="1" noChangeArrowheads="1"/>
           </p:cNvSpPr>
@@ -4735,124 +4747,78 @@
           </a:bodyPr>
           <a:lstStyle/>
           <a:p>
-            <a:endParaRPr lang="en-US" dirty="0">
-              <a:sym typeface="Symbol" charset="2"/>
-            </a:endParaRPr>
-          </a:p>
-          <a:p>
+            <a:r>
+              <a:rPr lang="en-US" dirty="0"/>
+              <a:t>Consider:</a:t>
+            </a:r>
+          </a:p>
+          <a:p>
+            <a:pPr lvl="1"/>
+            <a:r>
+              <a:rPr lang="en-US" dirty="0"/>
+              <a:t>T(n) </a:t>
+            </a:r>
+            <a:r>
+              <a:rPr lang="en-US"/>
+              <a:t>= 2*T(n/2) </a:t>
+            </a:r>
+            <a:r>
+              <a:rPr lang="en-US" dirty="0"/>
+              <a:t>+ 1</a:t>
+            </a:r>
+          </a:p>
+          <a:p>
+            <a:r>
+              <a:rPr lang="en-US" dirty="0"/>
+              <a:t>Let’s make our guess:</a:t>
+            </a:r>
+          </a:p>
+          <a:p>
+            <a:pPr lvl="1"/>
+            <a:r>
+              <a:rPr lang="en-US" dirty="0"/>
+              <a:t>We are thinking O(n)</a:t>
+            </a:r>
+          </a:p>
+          <a:p>
+            <a:r>
+              <a:rPr lang="en-US" dirty="0"/>
+              <a:t>Try to prove:</a:t>
+            </a:r>
+          </a:p>
+          <a:p>
+            <a:pPr lvl="1"/>
+            <a:r>
+              <a:rPr lang="en-US" dirty="0"/>
+              <a:t>T(n) &lt;= c*n</a:t>
+            </a:r>
+          </a:p>
+          <a:p>
+            <a:pPr lvl="1"/>
+            <a:endParaRPr lang="en-US" dirty="0"/>
+          </a:p>
+          <a:p>
+            <a:r>
+              <a:rPr lang="en-US" dirty="0"/>
+              <a:t>What happens? How do we fix this issue?</a:t>
+            </a:r>
+          </a:p>
+          <a:p>
+            <a:r>
+              <a:rPr lang="en-US" dirty="0"/>
+              <a:t>On board </a:t>
+            </a:r>
             <a:r>
               <a:rPr lang="en-US" dirty="0">
-                <a:sym typeface="Symbol" charset="2"/>
+                <a:sym typeface="Wingdings" panose="05000000000000000000" pitchFamily="2" charset="2"/>
               </a:rPr>
-              <a:t>T(n) = 7T(n/3) + n^2</a:t>
-            </a:r>
-          </a:p>
-          <a:p>
-            <a:pPr lvl="1"/>
-            <a:r>
-              <a:rPr lang="en-US" dirty="0">
-                <a:sym typeface="Symbol" charset="2"/>
-              </a:rPr>
-              <a:t>k = log3(7) = 1.77</a:t>
-            </a:r>
-          </a:p>
-          <a:p>
-            <a:pPr lvl="1"/>
-            <a:r>
-              <a:rPr lang="en-US" dirty="0" err="1">
-                <a:sym typeface="Symbol" charset="2"/>
-              </a:rPr>
-              <a:t>n^k</a:t>
-            </a:r>
-            <a:r>
-              <a:rPr lang="en-US" dirty="0">
-                <a:sym typeface="Symbol" charset="2"/>
-              </a:rPr>
-              <a:t> = n^1.77		n^2</a:t>
-            </a:r>
-          </a:p>
-          <a:p>
-            <a:pPr lvl="1"/>
-            <a:r>
-              <a:rPr lang="en-US" dirty="0">
-                <a:sym typeface="Symbol" charset="2"/>
-              </a:rPr>
-              <a:t>Case 3:   n^2</a:t>
-            </a:r>
-          </a:p>
-          <a:p>
-            <a:endParaRPr lang="en-US" dirty="0">
-              <a:sym typeface="Symbol" charset="2"/>
-            </a:endParaRPr>
-          </a:p>
-          <a:p>
-            <a:r>
-              <a:rPr lang="en-US" dirty="0">
-                <a:sym typeface="Symbol" charset="2"/>
-              </a:rPr>
-              <a:t>T(n) = 3T(n/3) + n/2</a:t>
-            </a:r>
-          </a:p>
-          <a:p>
-            <a:pPr lvl="1"/>
-            <a:r>
-              <a:rPr lang="en-US" dirty="0">
-                <a:sym typeface="Symbol" charset="2"/>
-              </a:rPr>
-              <a:t>k = log3(3) = 1</a:t>
-            </a:r>
-          </a:p>
-          <a:p>
-            <a:pPr lvl="1"/>
-            <a:r>
-              <a:rPr lang="en-US" dirty="0" err="1">
-                <a:sym typeface="Symbol" charset="2"/>
-              </a:rPr>
-              <a:t>n^k</a:t>
-            </a:r>
-            <a:r>
-              <a:rPr lang="en-US" dirty="0">
-                <a:sym typeface="Symbol" charset="2"/>
-              </a:rPr>
-              <a:t> = n			n/2</a:t>
-            </a:r>
-          </a:p>
-          <a:p>
-            <a:pPr lvl="1"/>
-            <a:r>
-              <a:rPr lang="en-US" dirty="0">
-                <a:sym typeface="Symbol" charset="2"/>
-              </a:rPr>
-              <a:t>Case 2: </a:t>
-            </a:r>
-            <a:r>
-              <a:rPr lang="en-US" dirty="0" err="1">
-                <a:sym typeface="Symbol" charset="2"/>
-              </a:rPr>
-              <a:t>nlogn</a:t>
-            </a:r>
-            <a:endParaRPr lang="en-US" dirty="0">
-              <a:sym typeface="Symbol" charset="2"/>
-            </a:endParaRPr>
-          </a:p>
-          <a:p>
-            <a:endParaRPr lang="en-US" dirty="0">
-              <a:sym typeface="Symbol" charset="2"/>
-            </a:endParaRPr>
-          </a:p>
-          <a:p>
-            <a:endParaRPr lang="en-US" dirty="0">
-              <a:sym typeface="Symbol" charset="2"/>
-            </a:endParaRPr>
+              <a:t></a:t>
+            </a:r>
+            <a:endParaRPr lang="en-US" dirty="0"/>
           </a:p>
         </p:txBody>
       </p:sp>
     </p:spTree>
-    <p:extLst>
-      <p:ext uri="{BB962C8B-B14F-4D97-AF65-F5344CB8AC3E}">
-        <p14:creationId xmlns:p14="http://schemas.microsoft.com/office/powerpoint/2010/main" val="3950899865"/>
-      </p:ext>
-    </p:extLst>
   </p:cSld>
   <p:clrMapOvr>
     <a:masterClrMapping/>
@@ -4879,7 +4845,7 @@
       </p:grpSpPr>
       <p:sp>
         <p:nvSpPr>
-          <p:cNvPr id="45058" name="Rectangle 2"/>
+          <p:cNvPr id="36866" name="Rectangle 2"/>
           <p:cNvSpPr>
             <a:spLocks noGrp="1" noChangeArrowheads="1"/>
           </p:cNvSpPr>
@@ -4892,21 +4858,21 @@
         </p:nvSpPr>
         <p:spPr/>
         <p:txBody>
-          <a:bodyPr/>
-          <a:lstStyle/>
-          <a:p>
-            <a:r>
-              <a:rPr lang="en-US" dirty="0">
-                <a:sym typeface="Symbol" charset="2"/>
-              </a:rPr>
-              <a:t>Problems to Try: Solutions</a:t>
-            </a:r>
-          </a:p>
-        </p:txBody>
-      </p:sp>
-      <p:sp>
-        <p:nvSpPr>
-          <p:cNvPr id="4" name="Slide Number Placeholder 3"/>
+          <a:bodyPr>
+            <a:normAutofit/>
+          </a:bodyPr>
+          <a:lstStyle/>
+          <a:p>
+            <a:r>
+              <a:rPr lang="en-US" dirty="0"/>
+              <a:t>Substitution Method: Subtleties</a:t>
+            </a:r>
+          </a:p>
+        </p:txBody>
+      </p:sp>
+      <p:sp>
+        <p:nvSpPr>
+          <p:cNvPr id="6" name="Slide Number Placeholder 5"/>
           <p:cNvSpPr>
             <a:spLocks noGrp="1"/>
           </p:cNvSpPr>
@@ -4930,7 +4896,7 @@
       </p:sp>
       <p:sp>
         <p:nvSpPr>
-          <p:cNvPr id="45059" name="Rectangle 3"/>
+          <p:cNvPr id="36867" name="Rectangle 3"/>
           <p:cNvSpPr>
             <a:spLocks noGrp="1" noChangeArrowheads="1"/>
           </p:cNvSpPr>
@@ -4948,12 +4914,1458 @@
           </a:bodyPr>
           <a:lstStyle/>
           <a:p>
-            <a:pPr marL="0" indent="0">
+            <a:r>
+              <a:rPr lang="en-US" dirty="0"/>
+              <a:t>Consider:</a:t>
+            </a:r>
+          </a:p>
+          <a:p>
+            <a:pPr lvl="1"/>
+            <a:r>
+              <a:rPr lang="en-US" dirty="0"/>
+              <a:t>T(n) = 2*T(n/2) + 1</a:t>
+            </a:r>
+          </a:p>
+        </p:txBody>
+      </p:sp>
+    </p:spTree>
+    <p:extLst>
+      <p:ext uri="{BB962C8B-B14F-4D97-AF65-F5344CB8AC3E}">
+        <p14:creationId xmlns:p14="http://schemas.microsoft.com/office/powerpoint/2010/main" val="126002909"/>
+      </p:ext>
+    </p:extLst>
+  </p:cSld>
+  <p:clrMapOvr>
+    <a:masterClrMapping/>
+  </p:clrMapOvr>
+</p:sld>
+</file>
+
+<file path=ppt/slides/slide12.xml><?xml version="1.0" encoding="utf-8"?>
+<p:sld xmlns:a="http://schemas.openxmlformats.org/drawingml/2006/main" xmlns:r="http://schemas.openxmlformats.org/officeDocument/2006/relationships" xmlns:p="http://schemas.openxmlformats.org/presentationml/2006/main">
+  <p:cSld>
+    <p:spTree>
+      <p:nvGrpSpPr>
+        <p:cNvPr id="1" name=""/>
+        <p:cNvGrpSpPr/>
+        <p:nvPr/>
+      </p:nvGrpSpPr>
+      <p:grpSpPr>
+        <a:xfrm>
+          <a:off x="0" y="0"/>
+          <a:ext cx="0" cy="0"/>
+          <a:chOff x="0" y="0"/>
+          <a:chExt cx="0" cy="0"/>
+        </a:xfrm>
+      </p:grpSpPr>
+      <p:sp>
+        <p:nvSpPr>
+          <p:cNvPr id="36866" name="Rectangle 2"/>
+          <p:cNvSpPr>
+            <a:spLocks noGrp="1" noChangeArrowheads="1"/>
+          </p:cNvSpPr>
+          <p:nvPr>
+            <p:ph type="title"/>
+            <p:custDataLst>
+              <p:tags r:id="rId1"/>
+            </p:custDataLst>
+          </p:nvPr>
+        </p:nvSpPr>
+        <p:spPr/>
+        <p:txBody>
+          <a:bodyPr>
+            <a:normAutofit/>
+          </a:bodyPr>
+          <a:lstStyle/>
+          <a:p>
+            <a:r>
+              <a:rPr lang="en-US" dirty="0"/>
+              <a:t>Substitution Method: Subtleties</a:t>
+            </a:r>
+          </a:p>
+        </p:txBody>
+      </p:sp>
+      <p:sp>
+        <p:nvSpPr>
+          <p:cNvPr id="6" name="Slide Number Placeholder 5"/>
+          <p:cNvSpPr>
+            <a:spLocks noGrp="1"/>
+          </p:cNvSpPr>
+          <p:nvPr>
+            <p:ph type="sldNum" sz="quarter" idx="12"/>
+          </p:nvPr>
+        </p:nvSpPr>
+        <p:spPr/>
+        <p:txBody>
+          <a:bodyPr/>
+          <a:lstStyle/>
+          <a:p>
+            <a:fld id="{0E0CE5E1-73E6-4EC0-A549-568A23C84235}" type="slidenum">
+              <a:rPr lang="en-US" smtClean="0"/>
+              <a:pPr/>
+              <a:t>12</a:t>
+            </a:fld>
+            <a:endParaRPr lang="en-US"/>
+          </a:p>
+        </p:txBody>
+      </p:sp>
+      <p:sp>
+        <p:nvSpPr>
+          <p:cNvPr id="36867" name="Rectangle 3"/>
+          <p:cNvSpPr>
+            <a:spLocks noGrp="1" noChangeArrowheads="1"/>
+          </p:cNvSpPr>
+          <p:nvPr>
+            <p:ph sz="quarter" idx="1"/>
+            <p:custDataLst>
+              <p:tags r:id="rId2"/>
+            </p:custDataLst>
+          </p:nvPr>
+        </p:nvSpPr>
+        <p:spPr/>
+        <p:txBody>
+          <a:bodyPr>
+            <a:normAutofit/>
+          </a:bodyPr>
+          <a:lstStyle/>
+          <a:p>
+            <a:r>
+              <a:rPr lang="en-US" dirty="0"/>
+              <a:t>Summary of the problem / issue:</a:t>
+            </a:r>
+          </a:p>
+          <a:p>
+            <a:pPr lvl="1"/>
+            <a:r>
+              <a:rPr lang="en-US" dirty="0"/>
+              <a:t>T(n) = 2*T(n/2) + 1</a:t>
+            </a:r>
+          </a:p>
+          <a:p>
+            <a:pPr lvl="1"/>
+            <a:r>
+              <a:rPr lang="en-US" dirty="0"/>
+              <a:t>T(n) &lt;= 2(c*(n/2)) + 1</a:t>
+            </a:r>
+          </a:p>
+          <a:p>
+            <a:pPr lvl="1"/>
+            <a:r>
+              <a:rPr lang="en-US" dirty="0"/>
+              <a:t>T(n) &lt;= c*n + 1</a:t>
+            </a:r>
+          </a:p>
+          <a:p>
+            <a:pPr lvl="1"/>
+            <a:endParaRPr lang="en-US" dirty="0"/>
+          </a:p>
+          <a:p>
+            <a:r>
+              <a:rPr lang="en-US" dirty="0"/>
+              <a:t>What is the issue here?</a:t>
+            </a:r>
+          </a:p>
+          <a:p>
+            <a:r>
+              <a:rPr lang="en-US" dirty="0"/>
+              <a:t>c*n + 1 is TOO LARGE. </a:t>
+            </a:r>
+          </a:p>
+          <a:p>
+            <a:r>
+              <a:rPr lang="en-US" dirty="0"/>
+              <a:t>Need to prove exact form of inductive hypothesis</a:t>
+            </a:r>
+          </a:p>
+        </p:txBody>
+      </p:sp>
+    </p:spTree>
+    <p:extLst>
+      <p:ext uri="{BB962C8B-B14F-4D97-AF65-F5344CB8AC3E}">
+        <p14:creationId xmlns:p14="http://schemas.microsoft.com/office/powerpoint/2010/main" val="2704508296"/>
+      </p:ext>
+    </p:extLst>
+  </p:cSld>
+  <p:clrMapOvr>
+    <a:masterClrMapping/>
+  </p:clrMapOvr>
+</p:sld>
+</file>
+
+<file path=ppt/slides/slide13.xml><?xml version="1.0" encoding="utf-8"?>
+<p:sld xmlns:a="http://schemas.openxmlformats.org/drawingml/2006/main" xmlns:r="http://schemas.openxmlformats.org/officeDocument/2006/relationships" xmlns:p="http://schemas.openxmlformats.org/presentationml/2006/main">
+  <p:cSld>
+    <p:spTree>
+      <p:nvGrpSpPr>
+        <p:cNvPr id="1" name=""/>
+        <p:cNvGrpSpPr/>
+        <p:nvPr/>
+      </p:nvGrpSpPr>
+      <p:grpSpPr>
+        <a:xfrm>
+          <a:off x="0" y="0"/>
+          <a:ext cx="0" cy="0"/>
+          <a:chOff x="0" y="0"/>
+          <a:chExt cx="0" cy="0"/>
+        </a:xfrm>
+      </p:grpSpPr>
+      <p:sp>
+        <p:nvSpPr>
+          <p:cNvPr id="36866" name="Rectangle 2"/>
+          <p:cNvSpPr>
+            <a:spLocks noGrp="1" noChangeArrowheads="1"/>
+          </p:cNvSpPr>
+          <p:nvPr>
+            <p:ph type="title"/>
+            <p:custDataLst>
+              <p:tags r:id="rId1"/>
+            </p:custDataLst>
+          </p:nvPr>
+        </p:nvSpPr>
+        <p:spPr/>
+        <p:txBody>
+          <a:bodyPr>
+            <a:normAutofit/>
+          </a:bodyPr>
+          <a:lstStyle/>
+          <a:p>
+            <a:r>
+              <a:rPr lang="en-US" dirty="0"/>
+              <a:t>Substitution Method: Subtleties</a:t>
+            </a:r>
+          </a:p>
+        </p:txBody>
+      </p:sp>
+      <p:sp>
+        <p:nvSpPr>
+          <p:cNvPr id="6" name="Slide Number Placeholder 5"/>
+          <p:cNvSpPr>
+            <a:spLocks noGrp="1"/>
+          </p:cNvSpPr>
+          <p:nvPr>
+            <p:ph type="sldNum" sz="quarter" idx="12"/>
+          </p:nvPr>
+        </p:nvSpPr>
+        <p:spPr/>
+        <p:txBody>
+          <a:bodyPr/>
+          <a:lstStyle/>
+          <a:p>
+            <a:fld id="{0E0CE5E1-73E6-4EC0-A549-568A23C84235}" type="slidenum">
+              <a:rPr lang="en-US" smtClean="0"/>
+              <a:pPr/>
+              <a:t>13</a:t>
+            </a:fld>
+            <a:endParaRPr lang="en-US"/>
+          </a:p>
+        </p:txBody>
+      </p:sp>
+      <p:sp>
+        <p:nvSpPr>
+          <p:cNvPr id="36867" name="Rectangle 3"/>
+          <p:cNvSpPr>
+            <a:spLocks noGrp="1" noChangeArrowheads="1"/>
+          </p:cNvSpPr>
+          <p:nvPr>
+            <p:ph sz="quarter" idx="1"/>
+            <p:custDataLst>
+              <p:tags r:id="rId2"/>
+            </p:custDataLst>
+          </p:nvPr>
+        </p:nvSpPr>
+        <p:spPr/>
+        <p:txBody>
+          <a:bodyPr>
+            <a:normAutofit/>
+          </a:bodyPr>
+          <a:lstStyle/>
+          <a:p>
+            <a:r>
+              <a:rPr lang="en-US" dirty="0"/>
+              <a:t>Here is how we fix the issue. Subtract lower order term.</a:t>
+            </a:r>
+          </a:p>
+          <a:p>
+            <a:r>
+              <a:rPr lang="en-US" dirty="0"/>
+              <a:t>Inductive Hypothesis:</a:t>
+            </a:r>
+          </a:p>
+          <a:p>
+            <a:pPr lvl="1"/>
+            <a:r>
+              <a:rPr lang="en-US" dirty="0"/>
+              <a:t>T(n) &lt;= c*n – d	    //d is a constant term. Note c*n-d &lt;= c*n</a:t>
+            </a:r>
+          </a:p>
+          <a:p>
+            <a:pPr lvl="1"/>
+            <a:endParaRPr lang="en-US" dirty="0"/>
+          </a:p>
+          <a:p>
+            <a:r>
+              <a:rPr lang="en-US" dirty="0"/>
+              <a:t>Fix:</a:t>
+            </a:r>
+          </a:p>
+          <a:p>
+            <a:pPr lvl="1"/>
+            <a:r>
+              <a:rPr lang="en-US" dirty="0"/>
+              <a:t>T(n) = 2*T(n/2) + 1</a:t>
+            </a:r>
+          </a:p>
+          <a:p>
+            <a:pPr lvl="1"/>
+            <a:r>
+              <a:rPr lang="en-US" dirty="0"/>
+              <a:t>T(n) &lt;= 2(c*(n/2) - d) + 1</a:t>
+            </a:r>
+          </a:p>
+          <a:p>
+            <a:pPr lvl="1"/>
+            <a:r>
+              <a:rPr lang="en-US" dirty="0"/>
+              <a:t>T(n) &lt;= c*n -2d + 1 &lt;= c*n		//as long as d &gt;= 1/2</a:t>
+            </a:r>
+          </a:p>
+          <a:p>
+            <a:pPr lvl="1"/>
+            <a:endParaRPr lang="en-US" dirty="0"/>
+          </a:p>
+        </p:txBody>
+      </p:sp>
+    </p:spTree>
+    <p:extLst>
+      <p:ext uri="{BB962C8B-B14F-4D97-AF65-F5344CB8AC3E}">
+        <p14:creationId xmlns:p14="http://schemas.microsoft.com/office/powerpoint/2010/main" val="2452005567"/>
+      </p:ext>
+    </p:extLst>
+  </p:cSld>
+  <p:clrMapOvr>
+    <a:masterClrMapping/>
+  </p:clrMapOvr>
+</p:sld>
+</file>
+
+<file path=ppt/slides/slide14.xml><?xml version="1.0" encoding="utf-8"?>
+<p:sld xmlns:a="http://schemas.openxmlformats.org/drawingml/2006/main" xmlns:r="http://schemas.openxmlformats.org/officeDocument/2006/relationships" xmlns:p="http://schemas.openxmlformats.org/presentationml/2006/main">
+  <p:cSld>
+    <p:spTree>
+      <p:nvGrpSpPr>
+        <p:cNvPr id="1" name=""/>
+        <p:cNvGrpSpPr/>
+        <p:nvPr/>
+      </p:nvGrpSpPr>
+      <p:grpSpPr>
+        <a:xfrm>
+          <a:off x="0" y="0"/>
+          <a:ext cx="0" cy="0"/>
+          <a:chOff x="0" y="0"/>
+          <a:chExt cx="0" cy="0"/>
+        </a:xfrm>
+      </p:grpSpPr>
+      <p:sp>
+        <p:nvSpPr>
+          <p:cNvPr id="36866" name="Rectangle 2"/>
+          <p:cNvSpPr>
+            <a:spLocks noGrp="1" noChangeArrowheads="1"/>
+          </p:cNvSpPr>
+          <p:nvPr>
+            <p:ph type="title"/>
+            <p:custDataLst>
+              <p:tags r:id="rId1"/>
+            </p:custDataLst>
+          </p:nvPr>
+        </p:nvSpPr>
+        <p:spPr/>
+        <p:txBody>
+          <a:bodyPr>
+            <a:normAutofit/>
+          </a:bodyPr>
+          <a:lstStyle/>
+          <a:p>
+            <a:r>
+              <a:rPr lang="en-US" dirty="0"/>
+              <a:t>Substitution Method: Another Pitfall</a:t>
+            </a:r>
+          </a:p>
+        </p:txBody>
+      </p:sp>
+      <p:sp>
+        <p:nvSpPr>
+          <p:cNvPr id="6" name="Slide Number Placeholder 5"/>
+          <p:cNvSpPr>
+            <a:spLocks noGrp="1"/>
+          </p:cNvSpPr>
+          <p:nvPr>
+            <p:ph type="sldNum" sz="quarter" idx="12"/>
+          </p:nvPr>
+        </p:nvSpPr>
+        <p:spPr/>
+        <p:txBody>
+          <a:bodyPr/>
+          <a:lstStyle/>
+          <a:p>
+            <a:fld id="{0E0CE5E1-73E6-4EC0-A549-568A23C84235}" type="slidenum">
+              <a:rPr lang="en-US" smtClean="0"/>
+              <a:pPr/>
+              <a:t>14</a:t>
+            </a:fld>
+            <a:endParaRPr lang="en-US"/>
+          </a:p>
+        </p:txBody>
+      </p:sp>
+      <p:sp>
+        <p:nvSpPr>
+          <p:cNvPr id="36867" name="Rectangle 3"/>
+          <p:cNvSpPr>
+            <a:spLocks noGrp="1" noChangeArrowheads="1"/>
+          </p:cNvSpPr>
+          <p:nvPr>
+            <p:ph sz="quarter" idx="1"/>
+            <p:custDataLst>
+              <p:tags r:id="rId2"/>
+            </p:custDataLst>
+          </p:nvPr>
+        </p:nvSpPr>
+        <p:spPr/>
+        <p:txBody>
+          <a:bodyPr>
+            <a:normAutofit/>
+          </a:bodyPr>
+          <a:lstStyle/>
+          <a:p>
+            <a:r>
+              <a:rPr lang="en-US" dirty="0"/>
+              <a:t>Consider </a:t>
+            </a:r>
+            <a:r>
+              <a:rPr lang="en-US" dirty="0" err="1"/>
+              <a:t>Mergesort</a:t>
+            </a:r>
+            <a:r>
+              <a:rPr lang="en-US" dirty="0"/>
+              <a:t> recurrence again:</a:t>
+            </a:r>
+          </a:p>
+          <a:p>
+            <a:pPr lvl="1"/>
+            <a:r>
+              <a:rPr lang="en-US" dirty="0"/>
+              <a:t>T(n) = 2*T(n/2) + n</a:t>
+            </a:r>
+          </a:p>
+          <a:p>
+            <a:r>
+              <a:rPr lang="en-US" dirty="0"/>
+              <a:t>Let’s make our guess:</a:t>
+            </a:r>
+          </a:p>
+          <a:p>
+            <a:pPr lvl="1"/>
+            <a:r>
+              <a:rPr lang="en-US" dirty="0"/>
+              <a:t>We are thinking O(n) </a:t>
+            </a:r>
+            <a:r>
+              <a:rPr lang="en-US" dirty="0">
+                <a:sym typeface="Wingdings" panose="05000000000000000000" pitchFamily="2" charset="2"/>
+              </a:rPr>
+              <a:t> Note that this is INCORRECT!</a:t>
+            </a:r>
+            <a:endParaRPr lang="en-US" dirty="0"/>
+          </a:p>
+          <a:p>
+            <a:r>
+              <a:rPr lang="en-US" dirty="0"/>
+              <a:t>Try to prove:</a:t>
+            </a:r>
+          </a:p>
+          <a:p>
+            <a:pPr lvl="1"/>
+            <a:r>
+              <a:rPr lang="en-US" dirty="0"/>
+              <a:t>T(n) &lt;= c*n</a:t>
+            </a:r>
+          </a:p>
+          <a:p>
+            <a:pPr lvl="1"/>
+            <a:endParaRPr lang="en-US" dirty="0"/>
+          </a:p>
+          <a:p>
+            <a:r>
+              <a:rPr lang="en-US" dirty="0"/>
+              <a:t>What happens?</a:t>
+            </a:r>
+          </a:p>
+          <a:p>
+            <a:r>
+              <a:rPr lang="en-US" dirty="0"/>
+              <a:t>On board </a:t>
+            </a:r>
+            <a:r>
+              <a:rPr lang="en-US" dirty="0">
+                <a:sym typeface="Wingdings" panose="05000000000000000000" pitchFamily="2" charset="2"/>
+              </a:rPr>
+              <a:t></a:t>
+            </a:r>
+            <a:endParaRPr lang="en-US" dirty="0"/>
+          </a:p>
+        </p:txBody>
+      </p:sp>
+    </p:spTree>
+    <p:extLst>
+      <p:ext uri="{BB962C8B-B14F-4D97-AF65-F5344CB8AC3E}">
+        <p14:creationId xmlns:p14="http://schemas.microsoft.com/office/powerpoint/2010/main" val="1184517832"/>
+      </p:ext>
+    </p:extLst>
+  </p:cSld>
+  <p:clrMapOvr>
+    <a:masterClrMapping/>
+  </p:clrMapOvr>
+</p:sld>
+</file>
+
+<file path=ppt/slides/slide15.xml><?xml version="1.0" encoding="utf-8"?>
+<p:sld xmlns:a="http://schemas.openxmlformats.org/drawingml/2006/main" xmlns:r="http://schemas.openxmlformats.org/officeDocument/2006/relationships" xmlns:p="http://schemas.openxmlformats.org/presentationml/2006/main">
+  <p:cSld>
+    <p:spTree>
+      <p:nvGrpSpPr>
+        <p:cNvPr id="1" name=""/>
+        <p:cNvGrpSpPr/>
+        <p:nvPr/>
+      </p:nvGrpSpPr>
+      <p:grpSpPr>
+        <a:xfrm>
+          <a:off x="0" y="0"/>
+          <a:ext cx="0" cy="0"/>
+          <a:chOff x="0" y="0"/>
+          <a:chExt cx="0" cy="0"/>
+        </a:xfrm>
+      </p:grpSpPr>
+      <p:sp>
+        <p:nvSpPr>
+          <p:cNvPr id="36866" name="Rectangle 2"/>
+          <p:cNvSpPr>
+            <a:spLocks noGrp="1" noChangeArrowheads="1"/>
+          </p:cNvSpPr>
+          <p:nvPr>
+            <p:ph type="title"/>
+            <p:custDataLst>
+              <p:tags r:id="rId1"/>
+            </p:custDataLst>
+          </p:nvPr>
+        </p:nvSpPr>
+        <p:spPr/>
+        <p:txBody>
+          <a:bodyPr>
+            <a:normAutofit/>
+          </a:bodyPr>
+          <a:lstStyle/>
+          <a:p>
+            <a:r>
+              <a:rPr lang="en-US" dirty="0"/>
+              <a:t>Substitution Method: Another Pitfall</a:t>
+            </a:r>
+          </a:p>
+        </p:txBody>
+      </p:sp>
+      <p:sp>
+        <p:nvSpPr>
+          <p:cNvPr id="6" name="Slide Number Placeholder 5"/>
+          <p:cNvSpPr>
+            <a:spLocks noGrp="1"/>
+          </p:cNvSpPr>
+          <p:nvPr>
+            <p:ph type="sldNum" sz="quarter" idx="12"/>
+          </p:nvPr>
+        </p:nvSpPr>
+        <p:spPr/>
+        <p:txBody>
+          <a:bodyPr/>
+          <a:lstStyle/>
+          <a:p>
+            <a:fld id="{0E0CE5E1-73E6-4EC0-A549-568A23C84235}" type="slidenum">
+              <a:rPr lang="en-US" smtClean="0"/>
+              <a:pPr/>
+              <a:t>15</a:t>
+            </a:fld>
+            <a:endParaRPr lang="en-US"/>
+          </a:p>
+        </p:txBody>
+      </p:sp>
+      <p:sp>
+        <p:nvSpPr>
+          <p:cNvPr id="36867" name="Rectangle 3"/>
+          <p:cNvSpPr>
+            <a:spLocks noGrp="1" noChangeArrowheads="1"/>
+          </p:cNvSpPr>
+          <p:nvPr>
+            <p:ph sz="quarter" idx="1"/>
+            <p:custDataLst>
+              <p:tags r:id="rId2"/>
+            </p:custDataLst>
+          </p:nvPr>
+        </p:nvSpPr>
+        <p:spPr/>
+        <p:txBody>
+          <a:bodyPr>
+            <a:normAutofit/>
+          </a:bodyPr>
+          <a:lstStyle/>
+          <a:p>
+            <a:r>
+              <a:rPr lang="en-US" dirty="0"/>
+              <a:t>Consider </a:t>
+            </a:r>
+            <a:r>
+              <a:rPr lang="en-US" dirty="0" err="1"/>
+              <a:t>Mergesort</a:t>
+            </a:r>
+            <a:r>
+              <a:rPr lang="en-US" dirty="0"/>
+              <a:t> recurrence again:</a:t>
+            </a:r>
+          </a:p>
+          <a:p>
+            <a:pPr lvl="1"/>
+            <a:r>
+              <a:rPr lang="en-US" dirty="0"/>
+              <a:t>T(n) = 2*T(n/2) + n</a:t>
+            </a:r>
+          </a:p>
+        </p:txBody>
+      </p:sp>
+    </p:spTree>
+    <p:extLst>
+      <p:ext uri="{BB962C8B-B14F-4D97-AF65-F5344CB8AC3E}">
+        <p14:creationId xmlns:p14="http://schemas.microsoft.com/office/powerpoint/2010/main" val="2394328353"/>
+      </p:ext>
+    </p:extLst>
+  </p:cSld>
+  <p:clrMapOvr>
+    <a:masterClrMapping/>
+  </p:clrMapOvr>
+</p:sld>
+</file>
+
+<file path=ppt/slides/slide16.xml><?xml version="1.0" encoding="utf-8"?>
+<p:sld xmlns:a="http://schemas.openxmlformats.org/drawingml/2006/main" xmlns:r="http://schemas.openxmlformats.org/officeDocument/2006/relationships" xmlns:p="http://schemas.openxmlformats.org/presentationml/2006/main">
+  <p:cSld>
+    <p:spTree>
+      <p:nvGrpSpPr>
+        <p:cNvPr id="1" name=""/>
+        <p:cNvGrpSpPr/>
+        <p:nvPr/>
+      </p:nvGrpSpPr>
+      <p:grpSpPr>
+        <a:xfrm>
+          <a:off x="0" y="0"/>
+          <a:ext cx="0" cy="0"/>
+          <a:chOff x="0" y="0"/>
+          <a:chExt cx="0" cy="0"/>
+        </a:xfrm>
+      </p:grpSpPr>
+      <p:sp>
+        <p:nvSpPr>
+          <p:cNvPr id="36866" name="Rectangle 2"/>
+          <p:cNvSpPr>
+            <a:spLocks noGrp="1" noChangeArrowheads="1"/>
+          </p:cNvSpPr>
+          <p:nvPr>
+            <p:ph type="title"/>
+            <p:custDataLst>
+              <p:tags r:id="rId1"/>
+            </p:custDataLst>
+          </p:nvPr>
+        </p:nvSpPr>
+        <p:spPr/>
+        <p:txBody>
+          <a:bodyPr>
+            <a:normAutofit/>
+          </a:bodyPr>
+          <a:lstStyle/>
+          <a:p>
+            <a:r>
+              <a:rPr lang="en-US" dirty="0"/>
+              <a:t>Substitution Method: Pitfall Example</a:t>
+            </a:r>
+          </a:p>
+        </p:txBody>
+      </p:sp>
+      <p:sp>
+        <p:nvSpPr>
+          <p:cNvPr id="6" name="Slide Number Placeholder 5"/>
+          <p:cNvSpPr>
+            <a:spLocks noGrp="1"/>
+          </p:cNvSpPr>
+          <p:nvPr>
+            <p:ph type="sldNum" sz="quarter" idx="12"/>
+          </p:nvPr>
+        </p:nvSpPr>
+        <p:spPr/>
+        <p:txBody>
+          <a:bodyPr/>
+          <a:lstStyle/>
+          <a:p>
+            <a:fld id="{0E0CE5E1-73E6-4EC0-A549-568A23C84235}" type="slidenum">
+              <a:rPr lang="en-US" smtClean="0"/>
+              <a:pPr/>
+              <a:t>16</a:t>
+            </a:fld>
+            <a:endParaRPr lang="en-US"/>
+          </a:p>
+        </p:txBody>
+      </p:sp>
+      <p:sp>
+        <p:nvSpPr>
+          <p:cNvPr id="36867" name="Rectangle 3"/>
+          <p:cNvSpPr>
+            <a:spLocks noGrp="1" noChangeArrowheads="1"/>
+          </p:cNvSpPr>
+          <p:nvPr>
+            <p:ph sz="quarter" idx="1"/>
+            <p:custDataLst>
+              <p:tags r:id="rId2"/>
+            </p:custDataLst>
+          </p:nvPr>
+        </p:nvSpPr>
+        <p:spPr/>
+        <p:txBody>
+          <a:bodyPr>
+            <a:normAutofit/>
+          </a:bodyPr>
+          <a:lstStyle/>
+          <a:p>
+            <a:r>
+              <a:rPr lang="en-US" dirty="0"/>
+              <a:t>Attempt to prove:</a:t>
+            </a:r>
+          </a:p>
+          <a:p>
+            <a:pPr lvl="1"/>
+            <a:r>
+              <a:rPr lang="en-US" dirty="0"/>
+              <a:t>T(n) = 2*T(n/2) + n</a:t>
+            </a:r>
+          </a:p>
+          <a:p>
+            <a:pPr lvl="1"/>
+            <a:r>
+              <a:rPr lang="en-US" dirty="0"/>
+              <a:t>T(n) &lt;= 2*(c*n/2) + n</a:t>
+            </a:r>
+          </a:p>
+          <a:p>
+            <a:pPr lvl="1"/>
+            <a:r>
+              <a:rPr lang="en-US" dirty="0"/>
+              <a:t>T(n) &lt;= c*n + n</a:t>
+            </a:r>
+          </a:p>
+          <a:p>
+            <a:pPr lvl="1"/>
+            <a:endParaRPr lang="en-US" dirty="0"/>
+          </a:p>
+          <a:p>
+            <a:pPr algn="l"/>
+            <a:r>
+              <a:rPr lang="en-US" dirty="0"/>
+              <a:t>Again, need to prove EXACT form of inductive hypothesis.</a:t>
+            </a:r>
+          </a:p>
+          <a:p>
+            <a:pPr algn="l"/>
+            <a:r>
+              <a:rPr lang="en-US" dirty="0"/>
+              <a:t>Subtracting off a lower order term won’t help.</a:t>
+            </a:r>
+          </a:p>
+          <a:p>
+            <a:pPr lvl="1" algn="l"/>
+            <a:r>
+              <a:rPr lang="en-US" dirty="0"/>
+              <a:t>Why?</a:t>
+            </a:r>
+          </a:p>
+          <a:p>
+            <a:pPr lvl="1"/>
+            <a:endParaRPr lang="en-US" dirty="0"/>
+          </a:p>
+        </p:txBody>
+      </p:sp>
+    </p:spTree>
+    <p:extLst>
+      <p:ext uri="{BB962C8B-B14F-4D97-AF65-F5344CB8AC3E}">
+        <p14:creationId xmlns:p14="http://schemas.microsoft.com/office/powerpoint/2010/main" val="339372812"/>
+      </p:ext>
+    </p:extLst>
+  </p:cSld>
+  <p:clrMapOvr>
+    <a:masterClrMapping/>
+  </p:clrMapOvr>
+</p:sld>
+</file>
+
+<file path=ppt/slides/slide17.xml><?xml version="1.0" encoding="utf-8"?>
+<p:sld xmlns:a="http://schemas.openxmlformats.org/drawingml/2006/main" xmlns:r="http://schemas.openxmlformats.org/officeDocument/2006/relationships" xmlns:p="http://schemas.openxmlformats.org/presentationml/2006/main">
+  <p:cSld>
+    <p:spTree>
+      <p:nvGrpSpPr>
+        <p:cNvPr id="1" name=""/>
+        <p:cNvGrpSpPr/>
+        <p:nvPr/>
+      </p:nvGrpSpPr>
+      <p:grpSpPr>
+        <a:xfrm>
+          <a:off x="0" y="0"/>
+          <a:ext cx="0" cy="0"/>
+          <a:chOff x="0" y="0"/>
+          <a:chExt cx="0" cy="0"/>
+        </a:xfrm>
+      </p:grpSpPr>
+      <p:sp>
+        <p:nvSpPr>
+          <p:cNvPr id="4" name="Title 3"/>
+          <p:cNvSpPr>
+            <a:spLocks noGrp="1"/>
+          </p:cNvSpPr>
+          <p:nvPr>
+            <p:ph type="title"/>
+          </p:nvPr>
+        </p:nvSpPr>
+        <p:spPr/>
+        <p:txBody>
+          <a:bodyPr/>
+          <a:lstStyle/>
+          <a:p>
+            <a:r>
+              <a:rPr lang="en-US" dirty="0"/>
+              <a:t>Master Theorem Examples</a:t>
+            </a:r>
+          </a:p>
+        </p:txBody>
+      </p:sp>
+      <p:sp>
+        <p:nvSpPr>
+          <p:cNvPr id="5" name="Text Placeholder 4"/>
+          <p:cNvSpPr>
+            <a:spLocks noGrp="1"/>
+          </p:cNvSpPr>
+          <p:nvPr>
+            <p:ph type="body" idx="1"/>
+          </p:nvPr>
+        </p:nvSpPr>
+        <p:spPr/>
+        <p:txBody>
+          <a:bodyPr/>
+          <a:lstStyle/>
+          <a:p>
+            <a:endParaRPr lang="en-US"/>
+          </a:p>
+        </p:txBody>
+      </p:sp>
+      <p:sp>
+        <p:nvSpPr>
+          <p:cNvPr id="6" name="Slide Number Placeholder 5"/>
+          <p:cNvSpPr>
+            <a:spLocks noGrp="1"/>
+          </p:cNvSpPr>
+          <p:nvPr>
+            <p:ph type="sldNum" sz="quarter" idx="12"/>
+          </p:nvPr>
+        </p:nvSpPr>
+        <p:spPr/>
+        <p:txBody>
+          <a:bodyPr/>
+          <a:lstStyle/>
+          <a:p>
+            <a:fld id="{0E0CE5E1-73E6-4EC0-A549-568A23C84235}" type="slidenum">
+              <a:rPr lang="en-US" smtClean="0"/>
+              <a:pPr/>
+              <a:t>17</a:t>
+            </a:fld>
+            <a:endParaRPr lang="en-US"/>
+          </a:p>
+        </p:txBody>
+      </p:sp>
+    </p:spTree>
+    <p:extLst>
+      <p:ext uri="{BB962C8B-B14F-4D97-AF65-F5344CB8AC3E}">
+        <p14:creationId xmlns:p14="http://schemas.microsoft.com/office/powerpoint/2010/main" val="3365878982"/>
+      </p:ext>
+    </p:extLst>
+  </p:cSld>
+  <p:clrMapOvr>
+    <a:masterClrMapping/>
+  </p:clrMapOvr>
+</p:sld>
+</file>
+
+<file path=ppt/slides/slide18.xml><?xml version="1.0" encoding="utf-8"?>
+<p:sld xmlns:a="http://schemas.openxmlformats.org/drawingml/2006/main" xmlns:r="http://schemas.openxmlformats.org/officeDocument/2006/relationships" xmlns:p="http://schemas.openxmlformats.org/presentationml/2006/main">
+  <p:cSld>
+    <p:spTree>
+      <p:nvGrpSpPr>
+        <p:cNvPr id="1" name=""/>
+        <p:cNvGrpSpPr/>
+        <p:nvPr/>
+      </p:nvGrpSpPr>
+      <p:grpSpPr>
+        <a:xfrm>
+          <a:off x="0" y="0"/>
+          <a:ext cx="0" cy="0"/>
+          <a:chOff x="0" y="0"/>
+          <a:chExt cx="0" cy="0"/>
+        </a:xfrm>
+      </p:grpSpPr>
+      <p:sp>
+        <p:nvSpPr>
+          <p:cNvPr id="41986" name="Rectangle 2"/>
+          <p:cNvSpPr>
+            <a:spLocks noGrp="1" noChangeArrowheads="1"/>
+          </p:cNvSpPr>
+          <p:nvPr>
+            <p:ph type="title"/>
+            <p:custDataLst>
+              <p:tags r:id="rId1"/>
+            </p:custDataLst>
+          </p:nvPr>
+        </p:nvSpPr>
+        <p:spPr/>
+        <p:txBody>
+          <a:bodyPr/>
+          <a:lstStyle/>
+          <a:p>
+            <a:r>
+              <a:rPr lang="en-US"/>
+              <a:t>The Master Theorem (from Cormen)</a:t>
+            </a:r>
+            <a:endParaRPr lang="en-US" dirty="0"/>
+          </a:p>
+        </p:txBody>
+      </p:sp>
+      <p:sp>
+        <p:nvSpPr>
+          <p:cNvPr id="6" name="Slide Number Placeholder 5"/>
+          <p:cNvSpPr>
+            <a:spLocks noGrp="1"/>
+          </p:cNvSpPr>
+          <p:nvPr>
+            <p:ph type="sldNum" sz="quarter" idx="12"/>
+          </p:nvPr>
+        </p:nvSpPr>
+        <p:spPr/>
+        <p:txBody>
+          <a:bodyPr/>
+          <a:lstStyle/>
+          <a:p>
+            <a:fld id="{0E0CE5E1-73E6-4EC0-A549-568A23C84235}" type="slidenum">
+              <a:rPr lang="en-US" smtClean="0"/>
+              <a:pPr/>
+              <a:t>18</a:t>
+            </a:fld>
+            <a:endParaRPr lang="en-US"/>
+          </a:p>
+        </p:txBody>
+      </p:sp>
+      <p:sp>
+        <p:nvSpPr>
+          <p:cNvPr id="41987" name="Rectangle 3"/>
+          <p:cNvSpPr>
+            <a:spLocks noGrp="1" noChangeArrowheads="1"/>
+          </p:cNvSpPr>
+          <p:nvPr>
+            <p:ph sz="quarter" idx="1"/>
+            <p:custDataLst>
+              <p:tags r:id="rId2"/>
+            </p:custDataLst>
+          </p:nvPr>
+        </p:nvSpPr>
+        <p:spPr/>
+        <p:txBody>
+          <a:bodyPr>
+            <a:normAutofit lnSpcReduction="10000"/>
+          </a:bodyPr>
+          <a:lstStyle/>
+          <a:p>
+            <a:r>
+              <a:rPr lang="en-US" dirty="0"/>
+              <a:t>If  T(n) = </a:t>
+            </a:r>
+            <a:r>
+              <a:rPr lang="en-US" dirty="0">
+                <a:latin typeface="Times"/>
+                <a:cs typeface="Times"/>
+              </a:rPr>
+              <a:t>a T(n/b) + f(n) </a:t>
+            </a:r>
+          </a:p>
+          <a:p>
+            <a:pPr lvl="1"/>
+            <a:r>
+              <a:rPr lang="en-US" dirty="0"/>
+              <a:t>then let k = </a:t>
+            </a:r>
+            <a:r>
+              <a:rPr lang="en-US" dirty="0" err="1"/>
+              <a:t>lg</a:t>
+            </a:r>
+            <a:r>
+              <a:rPr lang="en-US" dirty="0"/>
+              <a:t> a / </a:t>
+            </a:r>
+            <a:r>
+              <a:rPr lang="en-US" dirty="0" err="1"/>
+              <a:t>lg</a:t>
+            </a:r>
+            <a:r>
+              <a:rPr lang="en-US" dirty="0"/>
+              <a:t> b = </a:t>
+            </a:r>
+            <a:r>
+              <a:rPr lang="en-US" dirty="0" err="1"/>
+              <a:t>log</a:t>
+            </a:r>
+            <a:r>
+              <a:rPr lang="en-US" baseline="-25000" dirty="0" err="1"/>
+              <a:t>b</a:t>
+            </a:r>
+            <a:r>
+              <a:rPr lang="en-US" dirty="0"/>
+              <a:t>(a) (critical exponent)</a:t>
+            </a:r>
+          </a:p>
+          <a:p>
+            <a:pPr lvl="1"/>
+            <a:endParaRPr lang="en-US" dirty="0"/>
+          </a:p>
+          <a:p>
+            <a:r>
+              <a:rPr lang="en-US" dirty="0"/>
+              <a:t>Then three common cases based on how quickly T(n) grows</a:t>
+            </a:r>
+          </a:p>
+          <a:p>
+            <a:pPr lvl="1"/>
+            <a:r>
+              <a:rPr lang="en-US" dirty="0"/>
+              <a:t>If f(n) </a:t>
+            </a:r>
+            <a:r>
+              <a:rPr lang="en-US" dirty="0">
+                <a:sym typeface="Symbol" charset="2"/>
+              </a:rPr>
+              <a:t></a:t>
+            </a:r>
+            <a:r>
+              <a:rPr lang="en-US" dirty="0"/>
+              <a:t> O(</a:t>
+            </a:r>
+            <a:r>
+              <a:rPr lang="en-US" dirty="0" err="1"/>
+              <a:t>n</a:t>
+            </a:r>
+            <a:r>
+              <a:rPr lang="en-US" baseline="30000" dirty="0" err="1"/>
+              <a:t>k</a:t>
+            </a:r>
+            <a:r>
+              <a:rPr lang="en-US" baseline="30000" dirty="0"/>
+              <a:t>-</a:t>
+            </a:r>
+            <a:r>
+              <a:rPr lang="en-US" baseline="30000" dirty="0">
+                <a:sym typeface="Symbol" charset="2"/>
+              </a:rPr>
+              <a:t></a:t>
+            </a:r>
+            <a:r>
+              <a:rPr lang="en-US" dirty="0"/>
+              <a:t>) for some positive </a:t>
+            </a:r>
+            <a:r>
+              <a:rPr lang="en-US" dirty="0">
+                <a:sym typeface="Symbol" charset="2"/>
+              </a:rPr>
+              <a:t></a:t>
+            </a:r>
+            <a:r>
+              <a:rPr lang="en-US" dirty="0"/>
+              <a:t>, then T(n) </a:t>
+            </a:r>
+            <a:r>
+              <a:rPr lang="en-US" dirty="0">
+                <a:sym typeface="Symbol" charset="2"/>
+              </a:rPr>
+              <a:t></a:t>
+            </a:r>
+            <a:r>
+              <a:rPr lang="en-US" dirty="0"/>
+              <a:t> </a:t>
+            </a:r>
+            <a:r>
+              <a:rPr lang="en-US" dirty="0">
+                <a:sym typeface="Symbol" charset="2"/>
+              </a:rPr>
+              <a:t></a:t>
+            </a:r>
+            <a:r>
+              <a:rPr lang="en-US" dirty="0"/>
+              <a:t>(</a:t>
+            </a:r>
+            <a:r>
+              <a:rPr lang="en-US" dirty="0" err="1"/>
+              <a:t>n</a:t>
+            </a:r>
+            <a:r>
+              <a:rPr lang="en-US" baseline="30000" dirty="0" err="1"/>
+              <a:t>k</a:t>
+            </a:r>
+            <a:r>
+              <a:rPr lang="en-US" dirty="0"/>
+              <a:t>)</a:t>
+            </a:r>
+          </a:p>
+          <a:p>
+            <a:pPr lvl="1"/>
+            <a:r>
+              <a:rPr lang="en-US" dirty="0">
+                <a:sym typeface="Symbol" charset="2"/>
+              </a:rPr>
+              <a:t>If f(n) </a:t>
+            </a:r>
+            <a:r>
+              <a:rPr lang="en-US" dirty="0"/>
+              <a:t> </a:t>
+            </a:r>
+            <a:r>
+              <a:rPr lang="en-US" dirty="0">
+                <a:sym typeface="Symbol" charset="2"/>
+              </a:rPr>
+              <a:t></a:t>
+            </a:r>
+            <a:r>
+              <a:rPr lang="en-US" dirty="0"/>
+              <a:t>(</a:t>
+            </a:r>
+            <a:r>
+              <a:rPr lang="en-US" dirty="0" err="1"/>
+              <a:t>n</a:t>
+            </a:r>
+            <a:r>
+              <a:rPr lang="en-US" baseline="30000" dirty="0" err="1"/>
+              <a:t>k</a:t>
+            </a:r>
+            <a:r>
+              <a:rPr lang="en-US" dirty="0"/>
+              <a:t>) then T(n) </a:t>
+            </a:r>
+            <a:r>
+              <a:rPr lang="en-US" dirty="0">
+                <a:sym typeface="Symbol" charset="2"/>
+              </a:rPr>
+              <a:t></a:t>
+            </a:r>
+            <a:r>
+              <a:rPr lang="en-US" dirty="0"/>
+              <a:t> </a:t>
+            </a:r>
+            <a:r>
+              <a:rPr lang="en-US" dirty="0">
+                <a:sym typeface="Symbol" charset="2"/>
+              </a:rPr>
+              <a:t></a:t>
+            </a:r>
+            <a:r>
+              <a:rPr lang="en-US" dirty="0"/>
+              <a:t>( f(n) log(n) ) = </a:t>
+            </a:r>
+            <a:r>
+              <a:rPr lang="en-US" dirty="0">
+                <a:sym typeface="Symbol" charset="2"/>
+              </a:rPr>
+              <a:t></a:t>
+            </a:r>
+            <a:r>
+              <a:rPr lang="en-US" dirty="0"/>
+              <a:t>(</a:t>
+            </a:r>
+            <a:r>
+              <a:rPr lang="en-US" dirty="0" err="1"/>
+              <a:t>n</a:t>
+            </a:r>
+            <a:r>
+              <a:rPr lang="en-US" baseline="30000" dirty="0" err="1"/>
+              <a:t>k</a:t>
+            </a:r>
+            <a:r>
+              <a:rPr lang="en-US" dirty="0"/>
+              <a:t> log(n))</a:t>
+            </a:r>
+          </a:p>
+          <a:p>
+            <a:pPr lvl="1"/>
+            <a:r>
+              <a:rPr lang="en-US" dirty="0"/>
+              <a:t>If f(n) </a:t>
+            </a:r>
+            <a:r>
+              <a:rPr lang="en-US" dirty="0">
+                <a:sym typeface="Symbol" charset="2"/>
+              </a:rPr>
+              <a:t></a:t>
+            </a:r>
+            <a:r>
+              <a:rPr lang="en-US" dirty="0"/>
+              <a:t> </a:t>
+            </a:r>
+            <a:r>
+              <a:rPr lang="en-US" dirty="0">
+                <a:sym typeface="Symbol" charset="2"/>
+              </a:rPr>
+              <a:t>(</a:t>
+            </a:r>
+            <a:r>
+              <a:rPr lang="en-US" dirty="0" err="1"/>
+              <a:t>n</a:t>
+            </a:r>
+            <a:r>
+              <a:rPr lang="en-US" baseline="30000" dirty="0" err="1"/>
+              <a:t>k</a:t>
+            </a:r>
+            <a:r>
+              <a:rPr lang="en-US" baseline="30000" dirty="0"/>
+              <a:t>+</a:t>
+            </a:r>
+            <a:r>
+              <a:rPr lang="en-US" baseline="30000" dirty="0">
+                <a:sym typeface="Symbol" charset="2"/>
+              </a:rPr>
+              <a:t></a:t>
+            </a:r>
+            <a:r>
+              <a:rPr lang="en-US" dirty="0"/>
+              <a:t>) for some positive </a:t>
+            </a:r>
+            <a:r>
+              <a:rPr lang="en-US" dirty="0">
+                <a:sym typeface="Symbol" charset="2"/>
+              </a:rPr>
+              <a:t></a:t>
+            </a:r>
+            <a:r>
+              <a:rPr lang="en-US" dirty="0"/>
+              <a:t>, and </a:t>
+            </a:r>
+          </a:p>
+          <a:p>
+            <a:pPr marL="274320" lvl="1" indent="0">
               <a:buNone/>
             </a:pPr>
+            <a:r>
+              <a:rPr lang="en-US" dirty="0"/>
+              <a:t>      </a:t>
+            </a:r>
+            <a:r>
+              <a:rPr lang="en-US" i="1" dirty="0">
+                <a:latin typeface="Times"/>
+                <a:cs typeface="Times"/>
+              </a:rPr>
+              <a:t>a f(n/b) ≤ c f(n) </a:t>
+            </a:r>
+            <a:r>
+              <a:rPr lang="en-US" dirty="0"/>
+              <a:t>for some </a:t>
+            </a:r>
+            <a:r>
+              <a:rPr lang="en-US" i="1" dirty="0">
+                <a:latin typeface="Times"/>
+                <a:cs typeface="Times"/>
+              </a:rPr>
+              <a:t>c &lt; 1 </a:t>
+            </a:r>
+            <a:r>
+              <a:rPr lang="en-US" dirty="0"/>
+              <a:t>and sufficiently large </a:t>
+            </a:r>
+            <a:r>
+              <a:rPr lang="en-US" i="1" dirty="0"/>
+              <a:t>n</a:t>
+            </a:r>
+            <a:r>
+              <a:rPr lang="en-US" dirty="0"/>
+              <a:t>,</a:t>
+            </a:r>
+            <a:br>
+              <a:rPr lang="en-US" dirty="0"/>
+            </a:br>
+            <a:r>
+              <a:rPr lang="en-US" dirty="0"/>
+              <a:t>      then T(n) </a:t>
+            </a:r>
+            <a:r>
+              <a:rPr lang="en-US" dirty="0">
+                <a:sym typeface="Symbol" charset="2"/>
+              </a:rPr>
+              <a:t></a:t>
+            </a:r>
+            <a:r>
+              <a:rPr lang="en-US" dirty="0"/>
+              <a:t> </a:t>
+            </a:r>
+            <a:r>
+              <a:rPr lang="en-US" dirty="0">
+                <a:sym typeface="Symbol" charset="2"/>
+              </a:rPr>
+              <a:t></a:t>
+            </a:r>
+            <a:r>
+              <a:rPr lang="en-US" dirty="0"/>
+              <a:t>(f(n))</a:t>
+            </a:r>
+          </a:p>
+          <a:p>
+            <a:pPr lvl="1"/>
+            <a:endParaRPr lang="en-US" dirty="0"/>
+          </a:p>
+          <a:p>
+            <a:r>
+              <a:rPr lang="en-US" dirty="0"/>
+              <a:t>Note: none of these cases may apply</a:t>
+            </a:r>
+          </a:p>
+        </p:txBody>
+      </p:sp>
+    </p:spTree>
+    <p:extLst>
+      <p:ext uri="{BB962C8B-B14F-4D97-AF65-F5344CB8AC3E}">
+        <p14:creationId xmlns:p14="http://schemas.microsoft.com/office/powerpoint/2010/main" val="2734617966"/>
+      </p:ext>
+    </p:extLst>
+  </p:cSld>
+  <p:clrMapOvr>
+    <a:masterClrMapping/>
+  </p:clrMapOvr>
+</p:sld>
+</file>
+
+<file path=ppt/slides/slide19.xml><?xml version="1.0" encoding="utf-8"?>
+<p:sld xmlns:a="http://schemas.openxmlformats.org/drawingml/2006/main" xmlns:r="http://schemas.openxmlformats.org/officeDocument/2006/relationships" xmlns:p="http://schemas.openxmlformats.org/presentationml/2006/main">
+  <p:cSld>
+    <p:spTree>
+      <p:nvGrpSpPr>
+        <p:cNvPr id="1" name=""/>
+        <p:cNvGrpSpPr/>
+        <p:nvPr/>
+      </p:nvGrpSpPr>
+      <p:grpSpPr>
+        <a:xfrm>
+          <a:off x="0" y="0"/>
+          <a:ext cx="0" cy="0"/>
+          <a:chOff x="0" y="0"/>
+          <a:chExt cx="0" cy="0"/>
+        </a:xfrm>
+      </p:grpSpPr>
+      <p:sp>
+        <p:nvSpPr>
+          <p:cNvPr id="45058" name="Rectangle 2"/>
+          <p:cNvSpPr>
+            <a:spLocks noGrp="1" noChangeArrowheads="1"/>
+          </p:cNvSpPr>
+          <p:nvPr>
+            <p:ph type="title"/>
+            <p:custDataLst>
+              <p:tags r:id="rId1"/>
+            </p:custDataLst>
+          </p:nvPr>
+        </p:nvSpPr>
+        <p:spPr/>
+        <p:txBody>
+          <a:bodyPr/>
+          <a:lstStyle/>
+          <a:p>
+            <a:r>
+              <a:rPr lang="en-US">
+                <a:sym typeface="Symbol" charset="2"/>
+              </a:rPr>
+              <a:t>Problems to Try</a:t>
+            </a:r>
+          </a:p>
+        </p:txBody>
+      </p:sp>
+      <p:sp>
+        <p:nvSpPr>
+          <p:cNvPr id="4" name="Slide Number Placeholder 3"/>
+          <p:cNvSpPr>
+            <a:spLocks noGrp="1"/>
+          </p:cNvSpPr>
+          <p:nvPr>
+            <p:ph type="sldNum" sz="quarter" idx="12"/>
+          </p:nvPr>
+        </p:nvSpPr>
+        <p:spPr/>
+        <p:txBody>
+          <a:bodyPr/>
+          <a:lstStyle/>
+          <a:p>
+            <a:fld id="{0E0CE5E1-73E6-4EC0-A549-568A23C84235}" type="slidenum">
+              <a:rPr lang="en-US" smtClean="0"/>
+              <a:pPr/>
+              <a:t>19</a:t>
+            </a:fld>
+            <a:endParaRPr lang="en-US"/>
+          </a:p>
+        </p:txBody>
+      </p:sp>
+      <p:sp>
+        <p:nvSpPr>
+          <p:cNvPr id="45059" name="Rectangle 3"/>
+          <p:cNvSpPr>
+            <a:spLocks noGrp="1" noChangeArrowheads="1"/>
+          </p:cNvSpPr>
+          <p:nvPr>
+            <p:ph sz="quarter" idx="1"/>
+            <p:custDataLst>
+              <p:tags r:id="rId2"/>
+            </p:custDataLst>
+          </p:nvPr>
+        </p:nvSpPr>
+        <p:spPr/>
+        <p:txBody>
+          <a:bodyPr>
+            <a:normAutofit/>
+          </a:bodyPr>
+          <a:lstStyle/>
+          <a:p>
+            <a:r>
+              <a:rPr lang="en-US" dirty="0">
+                <a:sym typeface="Symbol" charset="2"/>
+              </a:rPr>
+              <a:t>Let’s try these?</a:t>
+            </a:r>
+          </a:p>
+          <a:p>
             <a:endParaRPr lang="en-US" dirty="0">
               <a:sym typeface="Symbol" charset="2"/>
             </a:endParaRPr>
+          </a:p>
+          <a:p>
+            <a:r>
+              <a:rPr lang="en-US" dirty="0">
+                <a:sym typeface="Symbol" charset="2"/>
+              </a:rPr>
+              <a:t>T(n) = 7T(n/3) + n^2</a:t>
+            </a:r>
+          </a:p>
+          <a:p>
+            <a:r>
+              <a:rPr lang="en-US" dirty="0">
+                <a:sym typeface="Symbol" charset="2"/>
+              </a:rPr>
+              <a:t>T(n) = 3T(n/3) + n/2</a:t>
+            </a:r>
           </a:p>
           <a:p>
             <a:r>
@@ -4964,41 +6376,6 @@
             </a:r>
           </a:p>
           <a:p>
-            <a:pPr lvl="1"/>
-            <a:r>
-              <a:rPr lang="en-US" dirty="0">
-                <a:sym typeface="Symbol" charset="2"/>
-              </a:rPr>
-              <a:t>k = log2(4) = 2</a:t>
-            </a:r>
-          </a:p>
-          <a:p>
-            <a:pPr lvl="1"/>
-            <a:r>
-              <a:rPr lang="en-US" dirty="0">
-                <a:sym typeface="Symbol" charset="2"/>
-              </a:rPr>
-              <a:t>n^2		n / log(n)</a:t>
-            </a:r>
-          </a:p>
-          <a:p>
-            <a:pPr lvl="1"/>
-            <a:r>
-              <a:rPr lang="en-US" dirty="0">
-                <a:sym typeface="Symbol" charset="2"/>
-              </a:rPr>
-              <a:t>Case 1: n^2</a:t>
-            </a:r>
-          </a:p>
-          <a:p>
-            <a:pPr marL="0" indent="0">
-              <a:buNone/>
-            </a:pPr>
-            <a:endParaRPr lang="en-US" dirty="0">
-              <a:sym typeface="Symbol" charset="2"/>
-            </a:endParaRPr>
-          </a:p>
-          <a:p>
             <a:r>
               <a:rPr lang="en-US" dirty="0">
                 <a:sym typeface="Symbol" charset="2"/>
@@ -5007,52 +6384,13 @@
             </a:r>
           </a:p>
           <a:p>
-            <a:pPr lvl="1"/>
-            <a:r>
-              <a:rPr lang="en-US" dirty="0">
-                <a:sym typeface="Symbol" charset="2"/>
-              </a:rPr>
-              <a:t>k = log3(3) = 1</a:t>
-            </a:r>
-          </a:p>
-          <a:p>
-            <a:pPr lvl="1"/>
-            <a:r>
-              <a:rPr lang="en-US" dirty="0">
-                <a:sym typeface="Symbol" charset="2"/>
-              </a:rPr>
-              <a:t>n			n / log(n)</a:t>
-            </a:r>
-          </a:p>
-          <a:p>
-            <a:pPr lvl="1"/>
-            <a:r>
-              <a:rPr lang="en-US" dirty="0">
-                <a:sym typeface="Symbol" charset="2"/>
-              </a:rPr>
-              <a:t>Case 1 doesn’t apply because f(n) not </a:t>
-            </a:r>
-            <a:r>
-              <a:rPr lang="en-US" dirty="0" err="1">
-                <a:sym typeface="Symbol" charset="2"/>
-              </a:rPr>
-              <a:t>polynomially</a:t>
-            </a:r>
-            <a:r>
-              <a:rPr lang="en-US" dirty="0">
-                <a:sym typeface="Symbol" charset="2"/>
-              </a:rPr>
-              <a:t> smaller</a:t>
-            </a:r>
+            <a:endParaRPr lang="en-US" dirty="0">
+              <a:sym typeface="Symbol" charset="2"/>
+            </a:endParaRPr>
           </a:p>
         </p:txBody>
       </p:sp>
     </p:spTree>
-    <p:extLst>
-      <p:ext uri="{BB962C8B-B14F-4D97-AF65-F5344CB8AC3E}">
-        <p14:creationId xmlns:p14="http://schemas.microsoft.com/office/powerpoint/2010/main" val="4076289318"/>
-      </p:ext>
-    </p:extLst>
   </p:cSld>
   <p:clrMapOvr>
     <a:masterClrMapping/>
@@ -5094,7 +6432,7 @@
           <a:p>
             <a:r>
               <a:rPr lang="en-US" dirty="0"/>
-              <a:t>Recurrence Relations</a:t>
+              <a:t>Iteration Method Examples</a:t>
             </a:r>
           </a:p>
         </p:txBody>
@@ -5143,6 +6481,738 @@
         </p:txBody>
       </p:sp>
     </p:spTree>
+  </p:cSld>
+  <p:clrMapOvr>
+    <a:masterClrMapping/>
+  </p:clrMapOvr>
+</p:sld>
+</file>
+
+<file path=ppt/slides/slide20.xml><?xml version="1.0" encoding="utf-8"?>
+<p:sld xmlns:a="http://schemas.openxmlformats.org/drawingml/2006/main" xmlns:r="http://schemas.openxmlformats.org/officeDocument/2006/relationships" xmlns:p="http://schemas.openxmlformats.org/presentationml/2006/main">
+  <p:cSld>
+    <p:spTree>
+      <p:nvGrpSpPr>
+        <p:cNvPr id="1" name=""/>
+        <p:cNvGrpSpPr/>
+        <p:nvPr/>
+      </p:nvGrpSpPr>
+      <p:grpSpPr>
+        <a:xfrm>
+          <a:off x="0" y="0"/>
+          <a:ext cx="0" cy="0"/>
+          <a:chOff x="0" y="0"/>
+          <a:chExt cx="0" cy="0"/>
+        </a:xfrm>
+      </p:grpSpPr>
+      <p:sp>
+        <p:nvSpPr>
+          <p:cNvPr id="45058" name="Rectangle 2"/>
+          <p:cNvSpPr>
+            <a:spLocks noGrp="1" noChangeArrowheads="1"/>
+          </p:cNvSpPr>
+          <p:nvPr>
+            <p:ph type="title"/>
+            <p:custDataLst>
+              <p:tags r:id="rId1"/>
+            </p:custDataLst>
+          </p:nvPr>
+        </p:nvSpPr>
+        <p:spPr/>
+        <p:txBody>
+          <a:bodyPr/>
+          <a:lstStyle/>
+          <a:p>
+            <a:r>
+              <a:rPr lang="en-US" dirty="0">
+                <a:sym typeface="Symbol" charset="2"/>
+              </a:rPr>
+              <a:t>Problems to Try: Solutions</a:t>
+            </a:r>
+          </a:p>
+        </p:txBody>
+      </p:sp>
+      <p:sp>
+        <p:nvSpPr>
+          <p:cNvPr id="4" name="Slide Number Placeholder 3"/>
+          <p:cNvSpPr>
+            <a:spLocks noGrp="1"/>
+          </p:cNvSpPr>
+          <p:nvPr>
+            <p:ph type="sldNum" sz="quarter" idx="12"/>
+          </p:nvPr>
+        </p:nvSpPr>
+        <p:spPr/>
+        <p:txBody>
+          <a:bodyPr/>
+          <a:lstStyle/>
+          <a:p>
+            <a:fld id="{0E0CE5E1-73E6-4EC0-A549-568A23C84235}" type="slidenum">
+              <a:rPr lang="en-US" smtClean="0"/>
+              <a:pPr/>
+              <a:t>20</a:t>
+            </a:fld>
+            <a:endParaRPr lang="en-US"/>
+          </a:p>
+        </p:txBody>
+      </p:sp>
+      <p:sp>
+        <p:nvSpPr>
+          <p:cNvPr id="45059" name="Rectangle 3"/>
+          <p:cNvSpPr>
+            <a:spLocks noGrp="1" noChangeArrowheads="1"/>
+          </p:cNvSpPr>
+          <p:nvPr>
+            <p:ph sz="quarter" idx="1"/>
+            <p:custDataLst>
+              <p:tags r:id="rId2"/>
+            </p:custDataLst>
+          </p:nvPr>
+        </p:nvSpPr>
+        <p:spPr/>
+        <p:txBody>
+          <a:bodyPr>
+            <a:normAutofit/>
+          </a:bodyPr>
+          <a:lstStyle/>
+          <a:p>
+            <a:endParaRPr lang="en-US" dirty="0">
+              <a:sym typeface="Symbol" charset="2"/>
+            </a:endParaRPr>
+          </a:p>
+          <a:p>
+            <a:r>
+              <a:rPr lang="en-US" dirty="0">
+                <a:sym typeface="Symbol" charset="2"/>
+              </a:rPr>
+              <a:t>T(n) = 7T(n/3) + n^2</a:t>
+            </a:r>
+          </a:p>
+          <a:p>
+            <a:pPr lvl="1"/>
+            <a:r>
+              <a:rPr lang="en-US" dirty="0">
+                <a:sym typeface="Symbol" charset="2"/>
+              </a:rPr>
+              <a:t>k = log3(7) = 1.77</a:t>
+            </a:r>
+          </a:p>
+          <a:p>
+            <a:pPr lvl="1"/>
+            <a:r>
+              <a:rPr lang="en-US" dirty="0" err="1">
+                <a:sym typeface="Symbol" charset="2"/>
+              </a:rPr>
+              <a:t>n^k</a:t>
+            </a:r>
+            <a:r>
+              <a:rPr lang="en-US" dirty="0">
+                <a:sym typeface="Symbol" charset="2"/>
+              </a:rPr>
+              <a:t> = n^1.77		n^2</a:t>
+            </a:r>
+          </a:p>
+          <a:p>
+            <a:pPr lvl="1"/>
+            <a:r>
+              <a:rPr lang="en-US" dirty="0">
+                <a:sym typeface="Symbol" charset="2"/>
+              </a:rPr>
+              <a:t>Case 3:   n^2</a:t>
+            </a:r>
+          </a:p>
+          <a:p>
+            <a:pPr marL="274320" lvl="1" indent="0">
+              <a:buNone/>
+            </a:pPr>
+            <a:r>
+              <a:rPr lang="en-US" dirty="0">
+                <a:sym typeface="Symbol" charset="2"/>
+              </a:rPr>
+              <a:t>				</a:t>
+            </a:r>
+          </a:p>
+          <a:p>
+            <a:pPr marL="274320" lvl="1" indent="0">
+              <a:buNone/>
+            </a:pPr>
+            <a:endParaRPr lang="en-US" dirty="0">
+              <a:sym typeface="Symbol" charset="2"/>
+            </a:endParaRPr>
+          </a:p>
+          <a:p>
+            <a:pPr marL="274320" lvl="1" indent="0">
+              <a:buNone/>
+            </a:pPr>
+            <a:r>
+              <a:rPr lang="en-US" dirty="0">
+                <a:sym typeface="Symbol" charset="2"/>
+              </a:rPr>
+              <a:t>				regularity: 7*f(n/3) &lt;= c*f(n)</a:t>
+            </a:r>
+          </a:p>
+          <a:p>
+            <a:pPr marL="274320" lvl="1" indent="0">
+              <a:buNone/>
+            </a:pPr>
+            <a:r>
+              <a:rPr lang="en-US" dirty="0">
+                <a:sym typeface="Symbol" charset="2"/>
+              </a:rPr>
+              <a:t>				7*n^2/9 &lt;= c*n^2</a:t>
+            </a:r>
+          </a:p>
+          <a:p>
+            <a:pPr marL="274320" lvl="1" indent="0">
+              <a:buNone/>
+            </a:pPr>
+            <a:r>
+              <a:rPr lang="en-US" dirty="0">
+                <a:sym typeface="Symbol" charset="2"/>
+              </a:rPr>
+              <a:t>				(7/9)n^2 &lt;= cn^2       //YES</a:t>
+            </a:r>
+          </a:p>
+          <a:p>
+            <a:endParaRPr lang="en-US" dirty="0">
+              <a:sym typeface="Symbol" charset="2"/>
+            </a:endParaRPr>
+          </a:p>
+          <a:p>
+            <a:endParaRPr lang="en-US" dirty="0">
+              <a:sym typeface="Symbol" charset="2"/>
+            </a:endParaRPr>
+          </a:p>
+        </p:txBody>
+      </p:sp>
+    </p:spTree>
+    <p:extLst>
+      <p:ext uri="{BB962C8B-B14F-4D97-AF65-F5344CB8AC3E}">
+        <p14:creationId xmlns:p14="http://schemas.microsoft.com/office/powerpoint/2010/main" val="3950899865"/>
+      </p:ext>
+    </p:extLst>
+  </p:cSld>
+  <p:clrMapOvr>
+    <a:masterClrMapping/>
+  </p:clrMapOvr>
+</p:sld>
+</file>
+
+<file path=ppt/slides/slide21.xml><?xml version="1.0" encoding="utf-8"?>
+<p:sld xmlns:a="http://schemas.openxmlformats.org/drawingml/2006/main" xmlns:r="http://schemas.openxmlformats.org/officeDocument/2006/relationships" xmlns:p="http://schemas.openxmlformats.org/presentationml/2006/main">
+  <p:cSld>
+    <p:spTree>
+      <p:nvGrpSpPr>
+        <p:cNvPr id="1" name=""/>
+        <p:cNvGrpSpPr/>
+        <p:nvPr/>
+      </p:nvGrpSpPr>
+      <p:grpSpPr>
+        <a:xfrm>
+          <a:off x="0" y="0"/>
+          <a:ext cx="0" cy="0"/>
+          <a:chOff x="0" y="0"/>
+          <a:chExt cx="0" cy="0"/>
+        </a:xfrm>
+      </p:grpSpPr>
+      <p:sp>
+        <p:nvSpPr>
+          <p:cNvPr id="45058" name="Rectangle 2"/>
+          <p:cNvSpPr>
+            <a:spLocks noGrp="1" noChangeArrowheads="1"/>
+          </p:cNvSpPr>
+          <p:nvPr>
+            <p:ph type="title"/>
+            <p:custDataLst>
+              <p:tags r:id="rId1"/>
+            </p:custDataLst>
+          </p:nvPr>
+        </p:nvSpPr>
+        <p:spPr/>
+        <p:txBody>
+          <a:bodyPr/>
+          <a:lstStyle/>
+          <a:p>
+            <a:r>
+              <a:rPr lang="en-US" dirty="0">
+                <a:sym typeface="Symbol" charset="2"/>
+              </a:rPr>
+              <a:t>Problems to Try: Solutions</a:t>
+            </a:r>
+          </a:p>
+        </p:txBody>
+      </p:sp>
+      <p:sp>
+        <p:nvSpPr>
+          <p:cNvPr id="4" name="Slide Number Placeholder 3"/>
+          <p:cNvSpPr>
+            <a:spLocks noGrp="1"/>
+          </p:cNvSpPr>
+          <p:nvPr>
+            <p:ph type="sldNum" sz="quarter" idx="12"/>
+          </p:nvPr>
+        </p:nvSpPr>
+        <p:spPr/>
+        <p:txBody>
+          <a:bodyPr/>
+          <a:lstStyle/>
+          <a:p>
+            <a:fld id="{0E0CE5E1-73E6-4EC0-A549-568A23C84235}" type="slidenum">
+              <a:rPr lang="en-US" smtClean="0"/>
+              <a:pPr/>
+              <a:t>21</a:t>
+            </a:fld>
+            <a:endParaRPr lang="en-US"/>
+          </a:p>
+        </p:txBody>
+      </p:sp>
+      <p:sp>
+        <p:nvSpPr>
+          <p:cNvPr id="45059" name="Rectangle 3"/>
+          <p:cNvSpPr>
+            <a:spLocks noGrp="1" noChangeArrowheads="1"/>
+          </p:cNvSpPr>
+          <p:nvPr>
+            <p:ph sz="quarter" idx="1"/>
+            <p:custDataLst>
+              <p:tags r:id="rId2"/>
+            </p:custDataLst>
+          </p:nvPr>
+        </p:nvSpPr>
+        <p:spPr/>
+        <p:txBody>
+          <a:bodyPr>
+            <a:normAutofit/>
+          </a:bodyPr>
+          <a:lstStyle/>
+          <a:p>
+            <a:endParaRPr lang="en-US" dirty="0">
+              <a:sym typeface="Symbol" charset="2"/>
+            </a:endParaRPr>
+          </a:p>
+          <a:p>
+            <a:r>
+              <a:rPr lang="en-US" dirty="0">
+                <a:sym typeface="Symbol" charset="2"/>
+              </a:rPr>
+              <a:t>T(n) = 3T(n/3) + n/2</a:t>
+            </a:r>
+          </a:p>
+          <a:p>
+            <a:pPr lvl="1"/>
+            <a:r>
+              <a:rPr lang="en-US" dirty="0">
+                <a:sym typeface="Symbol" charset="2"/>
+              </a:rPr>
+              <a:t>k = log3(3) = 1</a:t>
+            </a:r>
+          </a:p>
+          <a:p>
+            <a:pPr lvl="1"/>
+            <a:endParaRPr lang="en-US" dirty="0">
+              <a:sym typeface="Symbol" charset="2"/>
+            </a:endParaRPr>
+          </a:p>
+          <a:p>
+            <a:pPr lvl="1"/>
+            <a:r>
+              <a:rPr lang="en-US" dirty="0" err="1">
+                <a:sym typeface="Symbol" charset="2"/>
+              </a:rPr>
+              <a:t>n^k</a:t>
+            </a:r>
+            <a:r>
+              <a:rPr lang="en-US" dirty="0">
+                <a:sym typeface="Symbol" charset="2"/>
+              </a:rPr>
+              <a:t> = n			n/2</a:t>
+            </a:r>
+          </a:p>
+          <a:p>
+            <a:pPr lvl="1"/>
+            <a:endParaRPr lang="en-US" dirty="0">
+              <a:sym typeface="Symbol" charset="2"/>
+            </a:endParaRPr>
+          </a:p>
+          <a:p>
+            <a:pPr lvl="1"/>
+            <a:r>
+              <a:rPr lang="en-US" dirty="0">
+                <a:sym typeface="Symbol" charset="2"/>
+              </a:rPr>
+              <a:t>Case 2: </a:t>
+            </a:r>
+            <a:r>
+              <a:rPr lang="en-US" dirty="0" err="1">
+                <a:sym typeface="Symbol" charset="2"/>
+              </a:rPr>
+              <a:t>nlogn</a:t>
+            </a:r>
+            <a:endParaRPr lang="en-US" dirty="0">
+              <a:sym typeface="Symbol" charset="2"/>
+            </a:endParaRPr>
+          </a:p>
+          <a:p>
+            <a:endParaRPr lang="en-US" dirty="0">
+              <a:sym typeface="Symbol" charset="2"/>
+            </a:endParaRPr>
+          </a:p>
+          <a:p>
+            <a:endParaRPr lang="en-US" dirty="0">
+              <a:sym typeface="Symbol" charset="2"/>
+            </a:endParaRPr>
+          </a:p>
+        </p:txBody>
+      </p:sp>
+    </p:spTree>
+    <p:extLst>
+      <p:ext uri="{BB962C8B-B14F-4D97-AF65-F5344CB8AC3E}">
+        <p14:creationId xmlns:p14="http://schemas.microsoft.com/office/powerpoint/2010/main" val="1546621244"/>
+      </p:ext>
+    </p:extLst>
+  </p:cSld>
+  <p:clrMapOvr>
+    <a:masterClrMapping/>
+  </p:clrMapOvr>
+</p:sld>
+</file>
+
+<file path=ppt/slides/slide22.xml><?xml version="1.0" encoding="utf-8"?>
+<p:sld xmlns:a="http://schemas.openxmlformats.org/drawingml/2006/main" xmlns:r="http://schemas.openxmlformats.org/officeDocument/2006/relationships" xmlns:p="http://schemas.openxmlformats.org/presentationml/2006/main">
+  <p:cSld>
+    <p:spTree>
+      <p:nvGrpSpPr>
+        <p:cNvPr id="1" name=""/>
+        <p:cNvGrpSpPr/>
+        <p:nvPr/>
+      </p:nvGrpSpPr>
+      <p:grpSpPr>
+        <a:xfrm>
+          <a:off x="0" y="0"/>
+          <a:ext cx="0" cy="0"/>
+          <a:chOff x="0" y="0"/>
+          <a:chExt cx="0" cy="0"/>
+        </a:xfrm>
+      </p:grpSpPr>
+      <p:sp>
+        <p:nvSpPr>
+          <p:cNvPr id="45058" name="Rectangle 2"/>
+          <p:cNvSpPr>
+            <a:spLocks noGrp="1" noChangeArrowheads="1"/>
+          </p:cNvSpPr>
+          <p:nvPr>
+            <p:ph type="title"/>
+            <p:custDataLst>
+              <p:tags r:id="rId1"/>
+            </p:custDataLst>
+          </p:nvPr>
+        </p:nvSpPr>
+        <p:spPr/>
+        <p:txBody>
+          <a:bodyPr/>
+          <a:lstStyle/>
+          <a:p>
+            <a:r>
+              <a:rPr lang="en-US" dirty="0">
+                <a:sym typeface="Symbol" charset="2"/>
+              </a:rPr>
+              <a:t>Problems to Try: Solutions</a:t>
+            </a:r>
+          </a:p>
+        </p:txBody>
+      </p:sp>
+      <p:sp>
+        <p:nvSpPr>
+          <p:cNvPr id="4" name="Slide Number Placeholder 3"/>
+          <p:cNvSpPr>
+            <a:spLocks noGrp="1"/>
+          </p:cNvSpPr>
+          <p:nvPr>
+            <p:ph type="sldNum" sz="quarter" idx="12"/>
+          </p:nvPr>
+        </p:nvSpPr>
+        <p:spPr/>
+        <p:txBody>
+          <a:bodyPr/>
+          <a:lstStyle/>
+          <a:p>
+            <a:fld id="{0E0CE5E1-73E6-4EC0-A549-568A23C84235}" type="slidenum">
+              <a:rPr lang="en-US" smtClean="0"/>
+              <a:pPr/>
+              <a:t>22</a:t>
+            </a:fld>
+            <a:endParaRPr lang="en-US"/>
+          </a:p>
+        </p:txBody>
+      </p:sp>
+      <p:sp>
+        <p:nvSpPr>
+          <p:cNvPr id="45059" name="Rectangle 3"/>
+          <p:cNvSpPr>
+            <a:spLocks noGrp="1" noChangeArrowheads="1"/>
+          </p:cNvSpPr>
+          <p:nvPr>
+            <p:ph sz="quarter" idx="1"/>
+            <p:custDataLst>
+              <p:tags r:id="rId2"/>
+            </p:custDataLst>
+          </p:nvPr>
+        </p:nvSpPr>
+        <p:spPr/>
+        <p:txBody>
+          <a:bodyPr>
+            <a:normAutofit/>
+          </a:bodyPr>
+          <a:lstStyle/>
+          <a:p>
+            <a:pPr marL="0" indent="0">
+              <a:buNone/>
+            </a:pPr>
+            <a:endParaRPr lang="en-US" dirty="0">
+              <a:sym typeface="Symbol" charset="2"/>
+            </a:endParaRPr>
+          </a:p>
+          <a:p>
+            <a:r>
+              <a:rPr lang="en-US" dirty="0">
+                <a:sym typeface="Symbol" charset="2"/>
+              </a:rPr>
+              <a:t>T(n) = 4T(n/2) + n / log(n)</a:t>
+            </a:r>
+          </a:p>
+          <a:p>
+            <a:pPr lvl="1"/>
+            <a:r>
+              <a:rPr lang="en-US" dirty="0">
+                <a:sym typeface="Symbol" charset="2"/>
+              </a:rPr>
+              <a:t>k = log2(4) = 2</a:t>
+            </a:r>
+          </a:p>
+          <a:p>
+            <a:pPr lvl="1"/>
+            <a:endParaRPr lang="en-US" dirty="0">
+              <a:sym typeface="Symbol" charset="2"/>
+            </a:endParaRPr>
+          </a:p>
+          <a:p>
+            <a:pPr lvl="1"/>
+            <a:r>
+              <a:rPr lang="en-US" dirty="0">
+                <a:sym typeface="Symbol" charset="2"/>
+              </a:rPr>
+              <a:t>n^2		n / log(n)</a:t>
+            </a:r>
+          </a:p>
+          <a:p>
+            <a:pPr lvl="1"/>
+            <a:endParaRPr lang="en-US" dirty="0">
+              <a:sym typeface="Symbol" charset="2"/>
+            </a:endParaRPr>
+          </a:p>
+          <a:p>
+            <a:pPr lvl="1"/>
+            <a:r>
+              <a:rPr lang="en-US" dirty="0">
+                <a:sym typeface="Symbol" charset="2"/>
+              </a:rPr>
+              <a:t>Case 1: n^2</a:t>
+            </a:r>
+          </a:p>
+          <a:p>
+            <a:pPr marL="0" indent="0">
+              <a:buNone/>
+            </a:pPr>
+            <a:endParaRPr lang="en-US" dirty="0">
+              <a:sym typeface="Symbol" charset="2"/>
+            </a:endParaRPr>
+          </a:p>
+        </p:txBody>
+      </p:sp>
+    </p:spTree>
+    <p:extLst>
+      <p:ext uri="{BB962C8B-B14F-4D97-AF65-F5344CB8AC3E}">
+        <p14:creationId xmlns:p14="http://schemas.microsoft.com/office/powerpoint/2010/main" val="4076289318"/>
+      </p:ext>
+    </p:extLst>
+  </p:cSld>
+  <p:clrMapOvr>
+    <a:masterClrMapping/>
+  </p:clrMapOvr>
+</p:sld>
+</file>
+
+<file path=ppt/slides/slide23.xml><?xml version="1.0" encoding="utf-8"?>
+<p:sld xmlns:a="http://schemas.openxmlformats.org/drawingml/2006/main" xmlns:r="http://schemas.openxmlformats.org/officeDocument/2006/relationships" xmlns:p="http://schemas.openxmlformats.org/presentationml/2006/main">
+  <p:cSld>
+    <p:spTree>
+      <p:nvGrpSpPr>
+        <p:cNvPr id="1" name=""/>
+        <p:cNvGrpSpPr/>
+        <p:nvPr/>
+      </p:nvGrpSpPr>
+      <p:grpSpPr>
+        <a:xfrm>
+          <a:off x="0" y="0"/>
+          <a:ext cx="0" cy="0"/>
+          <a:chOff x="0" y="0"/>
+          <a:chExt cx="0" cy="0"/>
+        </a:xfrm>
+      </p:grpSpPr>
+      <p:sp>
+        <p:nvSpPr>
+          <p:cNvPr id="45058" name="Rectangle 2"/>
+          <p:cNvSpPr>
+            <a:spLocks noGrp="1" noChangeArrowheads="1"/>
+          </p:cNvSpPr>
+          <p:nvPr>
+            <p:ph type="title"/>
+            <p:custDataLst>
+              <p:tags r:id="rId1"/>
+            </p:custDataLst>
+          </p:nvPr>
+        </p:nvSpPr>
+        <p:spPr/>
+        <p:txBody>
+          <a:bodyPr/>
+          <a:lstStyle/>
+          <a:p>
+            <a:r>
+              <a:rPr lang="en-US" dirty="0">
+                <a:sym typeface="Symbol" charset="2"/>
+              </a:rPr>
+              <a:t>Problems to Try: Solutions</a:t>
+            </a:r>
+          </a:p>
+        </p:txBody>
+      </p:sp>
+      <p:sp>
+        <p:nvSpPr>
+          <p:cNvPr id="4" name="Slide Number Placeholder 3"/>
+          <p:cNvSpPr>
+            <a:spLocks noGrp="1"/>
+          </p:cNvSpPr>
+          <p:nvPr>
+            <p:ph type="sldNum" sz="quarter" idx="12"/>
+          </p:nvPr>
+        </p:nvSpPr>
+        <p:spPr/>
+        <p:txBody>
+          <a:bodyPr/>
+          <a:lstStyle/>
+          <a:p>
+            <a:fld id="{0E0CE5E1-73E6-4EC0-A549-568A23C84235}" type="slidenum">
+              <a:rPr lang="en-US" smtClean="0"/>
+              <a:pPr/>
+              <a:t>23</a:t>
+            </a:fld>
+            <a:endParaRPr lang="en-US" dirty="0"/>
+          </a:p>
+        </p:txBody>
+      </p:sp>
+      <p:sp>
+        <p:nvSpPr>
+          <p:cNvPr id="45059" name="Rectangle 3"/>
+          <p:cNvSpPr>
+            <a:spLocks noGrp="1" noChangeArrowheads="1"/>
+          </p:cNvSpPr>
+          <p:nvPr>
+            <p:ph sz="quarter" idx="1"/>
+            <p:custDataLst>
+              <p:tags r:id="rId2"/>
+            </p:custDataLst>
+          </p:nvPr>
+        </p:nvSpPr>
+        <p:spPr/>
+        <p:txBody>
+          <a:bodyPr>
+            <a:normAutofit/>
+          </a:bodyPr>
+          <a:lstStyle/>
+          <a:p>
+            <a:pPr marL="0" indent="0">
+              <a:buNone/>
+            </a:pPr>
+            <a:endParaRPr lang="en-US" dirty="0">
+              <a:sym typeface="Symbol" charset="2"/>
+            </a:endParaRPr>
+          </a:p>
+          <a:p>
+            <a:r>
+              <a:rPr lang="en-US" dirty="0">
+                <a:sym typeface="Symbol" charset="2"/>
+              </a:rPr>
+              <a:t>T(n) = 3T(n/3) + n / log(n)</a:t>
+            </a:r>
+          </a:p>
+          <a:p>
+            <a:pPr lvl="1"/>
+            <a:r>
+              <a:rPr lang="en-US" dirty="0">
+                <a:sym typeface="Symbol" charset="2"/>
+              </a:rPr>
+              <a:t>k = log3(3) = 1</a:t>
+            </a:r>
+          </a:p>
+          <a:p>
+            <a:pPr lvl="1"/>
+            <a:endParaRPr lang="en-US" dirty="0">
+              <a:sym typeface="Symbol" charset="2"/>
+            </a:endParaRPr>
+          </a:p>
+          <a:p>
+            <a:pPr lvl="1"/>
+            <a:r>
+              <a:rPr lang="en-US" dirty="0">
+                <a:sym typeface="Symbol" charset="2"/>
+              </a:rPr>
+              <a:t>n			n / log(n)</a:t>
+            </a:r>
+          </a:p>
+          <a:p>
+            <a:pPr lvl="1"/>
+            <a:endParaRPr lang="en-US" dirty="0">
+              <a:sym typeface="Symbol" charset="2"/>
+            </a:endParaRPr>
+          </a:p>
+          <a:p>
+            <a:pPr lvl="1"/>
+            <a:r>
+              <a:rPr lang="en-US" dirty="0">
+                <a:sym typeface="Symbol" charset="2"/>
+              </a:rPr>
+              <a:t>Case 1 doesn’t apply because f(n) not </a:t>
+            </a:r>
+            <a:r>
+              <a:rPr lang="en-US" dirty="0" err="1">
+                <a:sym typeface="Symbol" charset="2"/>
+              </a:rPr>
+              <a:t>polynomially</a:t>
+            </a:r>
+            <a:r>
+              <a:rPr lang="en-US" dirty="0">
+                <a:sym typeface="Symbol" charset="2"/>
+              </a:rPr>
+              <a:t> smaller</a:t>
+            </a:r>
+          </a:p>
+          <a:p>
+            <a:pPr lvl="1"/>
+            <a:r>
+              <a:rPr lang="en-US" dirty="0">
+                <a:sym typeface="Symbol" charset="2"/>
+              </a:rPr>
+              <a:t>e.g.,  n / log(n) !&lt;= n^0.99 for large n</a:t>
+            </a:r>
+          </a:p>
+        </p:txBody>
+      </p:sp>
+    </p:spTree>
+    <p:extLst>
+      <p:ext uri="{BB962C8B-B14F-4D97-AF65-F5344CB8AC3E}">
+        <p14:creationId xmlns:p14="http://schemas.microsoft.com/office/powerpoint/2010/main" val="2657960524"/>
+      </p:ext>
+    </p:extLst>
   </p:cSld>
   <p:clrMapOvr>
     <a:masterClrMapping/>
@@ -5189,7 +7259,7 @@
           <a:p>
             <a:r>
               <a:rPr lang="en-US" dirty="0"/>
-              <a:t>Substitution Method: Subtleties</a:t>
+              <a:t>Iteration Method: Another Example</a:t>
             </a:r>
           </a:p>
         </p:txBody>
@@ -5247,69 +7317,17 @@
             <a:pPr lvl="1"/>
             <a:r>
               <a:rPr lang="en-US" dirty="0"/>
-              <a:t>T(n) </a:t>
-            </a:r>
-            <a:r>
-              <a:rPr lang="en-US"/>
-              <a:t>= 2*T(n/2) </a:t>
-            </a:r>
-            <a:r>
-              <a:rPr lang="en-US" dirty="0"/>
-              <a:t>+ 1</a:t>
-            </a:r>
-          </a:p>
-          <a:p>
-            <a:r>
-              <a:rPr lang="en-US" dirty="0"/>
-              <a:t>Let’s make our guess:</a:t>
-            </a:r>
-          </a:p>
-          <a:p>
-            <a:pPr lvl="1"/>
-            <a:r>
-              <a:rPr lang="en-US" dirty="0"/>
-              <a:t>We are thinking O(n)</a:t>
-            </a:r>
-          </a:p>
-          <a:p>
-            <a:r>
-              <a:rPr lang="en-US" dirty="0"/>
-              <a:t>Try to prove:</a:t>
-            </a:r>
-          </a:p>
-          <a:p>
-            <a:pPr lvl="1"/>
-            <a:r>
-              <a:rPr lang="en-US" dirty="0"/>
-              <a:t>T(n) &lt;= c*n</a:t>
-            </a:r>
-          </a:p>
-          <a:p>
-            <a:pPr lvl="1"/>
-            <a:endParaRPr lang="en-US" dirty="0"/>
-          </a:p>
-          <a:p>
-            <a:r>
-              <a:rPr lang="en-US" dirty="0"/>
-              <a:t>What happens? How do we fix this issue?</a:t>
-            </a:r>
-          </a:p>
-          <a:p>
-            <a:r>
-              <a:rPr lang="en-US" dirty="0"/>
-              <a:t>On board </a:t>
-            </a:r>
-            <a:r>
-              <a:rPr lang="en-US" dirty="0">
-                <a:sym typeface="Wingdings" panose="05000000000000000000" pitchFamily="2" charset="2"/>
-              </a:rPr>
-              <a:t></a:t>
-            </a:r>
-            <a:endParaRPr lang="en-US" dirty="0"/>
+              <a:t>T(n) = 3*T(n/4) + n</a:t>
+            </a:r>
           </a:p>
         </p:txBody>
       </p:sp>
     </p:spTree>
+    <p:extLst>
+      <p:ext uri="{BB962C8B-B14F-4D97-AF65-F5344CB8AC3E}">
+        <p14:creationId xmlns:p14="http://schemas.microsoft.com/office/powerpoint/2010/main" val="667569679"/>
+      </p:ext>
+    </p:extLst>
   </p:cSld>
   <p:clrMapOvr>
     <a:masterClrMapping/>
@@ -5356,7 +7374,7 @@
           <a:p>
             <a:r>
               <a:rPr lang="en-US" dirty="0"/>
-              <a:t>Substitution Method: Subtleties</a:t>
+              <a:t>Unroll the recurrence</a:t>
             </a:r>
           </a:p>
         </p:txBody>
@@ -5381,7 +7399,7 @@
               <a:pPr/>
               <a:t>4</a:t>
             </a:fld>
-            <a:endParaRPr lang="en-US"/>
+            <a:endParaRPr lang="en-US" dirty="0"/>
           </a:p>
         </p:txBody>
       </p:sp>
@@ -5398,7 +7416,12 @@
             </p:custDataLst>
           </p:nvPr>
         </p:nvSpPr>
-        <p:spPr/>
+        <p:spPr>
+          <a:xfrm>
+            <a:off x="457199" y="1219200"/>
+            <a:ext cx="8467969" cy="4937760"/>
+          </a:xfrm>
+        </p:spPr>
         <p:txBody>
           <a:bodyPr>
             <a:normAutofit/>
@@ -5407,58 +7430,67 @@
           <a:p>
             <a:r>
               <a:rPr lang="en-US" dirty="0"/>
-              <a:t>Summary of the problem / issue:</a:t>
-            </a:r>
-          </a:p>
-          <a:p>
-            <a:pPr lvl="1"/>
-            <a:r>
-              <a:rPr lang="en-US" dirty="0"/>
-              <a:t>T(n) = 2*T(n/2) + 1</a:t>
-            </a:r>
-          </a:p>
-          <a:p>
-            <a:pPr lvl="1"/>
-            <a:r>
-              <a:rPr lang="en-US" dirty="0"/>
-              <a:t>T(n) &lt;= 2(c*(n/2)) + 1</a:t>
-            </a:r>
-          </a:p>
-          <a:p>
-            <a:pPr lvl="1"/>
-            <a:r>
-              <a:rPr lang="en-US" dirty="0"/>
-              <a:t>T(n) &lt;= c*n + 1</a:t>
-            </a:r>
-          </a:p>
-          <a:p>
-            <a:pPr lvl="1"/>
+              <a:t>T(n) = 3*T(n/4) + n</a:t>
+            </a:r>
+          </a:p>
+          <a:p>
+            <a:r>
+              <a:rPr lang="en-US" dirty="0"/>
+              <a:t>T(n) = 3*[3*T(n/16)+n/4] + n = 9T(n/16) + (7/4)n</a:t>
+            </a:r>
+          </a:p>
+          <a:p>
             <a:endParaRPr lang="en-US" dirty="0"/>
           </a:p>
           <a:p>
             <a:r>
               <a:rPr lang="en-US" dirty="0"/>
-              <a:t>What is the issue here?</a:t>
-            </a:r>
-          </a:p>
-          <a:p>
-            <a:r>
-              <a:rPr lang="en-US" dirty="0"/>
-              <a:t>c*n + 1 is TOO LARGE. </a:t>
-            </a:r>
-          </a:p>
-          <a:p>
-            <a:r>
-              <a:rPr lang="en-US" dirty="0"/>
-              <a:t>Need to prove exact form of inductive hypothesis</a:t>
-            </a:r>
+              <a:t>T(n) = 9T(n/16) + (7/4)n</a:t>
+            </a:r>
+          </a:p>
+          <a:p>
+            <a:r>
+              <a:rPr lang="en-US" dirty="0"/>
+              <a:t>T(n) = 9[3T(n/64) + n/16] + (7/4)n</a:t>
+            </a:r>
+          </a:p>
+          <a:p>
+            <a:r>
+              <a:rPr lang="en-US" dirty="0"/>
+              <a:t>T(n) = 27*T(n/64) + 9n/16 + 7n/4</a:t>
+            </a:r>
+          </a:p>
+          <a:p>
+            <a:r>
+              <a:rPr lang="en-US" dirty="0"/>
+              <a:t>T(n) = 27*T(n/64) + 37n/16		//Pattern??</a:t>
+            </a:r>
+          </a:p>
+          <a:p>
+            <a:endParaRPr lang="en-US" dirty="0"/>
+          </a:p>
+          <a:p>
+            <a:r>
+              <a:rPr lang="en-US" dirty="0"/>
+              <a:t>T(n) = 3^d * T(n/(4^d)) + n * ∑((3/4)^d)   </a:t>
+            </a:r>
+            <a:r>
+              <a:rPr lang="en-US" i="1" u="sng" dirty="0">
+                <a:sym typeface="Wingdings" pitchFamily="2" charset="2"/>
+              </a:rPr>
+              <a:t>sum from 0 to d</a:t>
+            </a:r>
+            <a:endParaRPr lang="en-US" i="1" u="sng" dirty="0"/>
+          </a:p>
+          <a:p>
+            <a:endParaRPr lang="en-US" dirty="0"/>
           </a:p>
         </p:txBody>
       </p:sp>
     </p:spTree>
     <p:extLst>
       <p:ext uri="{BB962C8B-B14F-4D97-AF65-F5344CB8AC3E}">
-        <p14:creationId xmlns:p14="http://schemas.microsoft.com/office/powerpoint/2010/main" val="2704508296"/>
+        <p14:creationId xmlns:p14="http://schemas.microsoft.com/office/powerpoint/2010/main" val="2657139732"/>
       </p:ext>
     </p:extLst>
   </p:cSld>
@@ -5507,7 +7539,7 @@
           <a:p>
             <a:r>
               <a:rPr lang="en-US" dirty="0"/>
-              <a:t>Substitution Method: Subtleties</a:t>
+              <a:t>Unroll the recurrence</a:t>
             </a:r>
           </a:p>
         </p:txBody>
@@ -5549,68 +7581,59 @@
             </p:custDataLst>
           </p:nvPr>
         </p:nvSpPr>
-        <p:spPr/>
+        <p:spPr>
+          <a:xfrm>
+            <a:off x="457199" y="1219200"/>
+            <a:ext cx="8467969" cy="4937760"/>
+          </a:xfrm>
+        </p:spPr>
         <p:txBody>
           <a:bodyPr>
             <a:normAutofit/>
           </a:bodyPr>
           <a:lstStyle/>
           <a:p>
-            <a:r>
-              <a:rPr lang="en-US" dirty="0"/>
-              <a:t>Here is how we fix the issue. Subtract lower order term.</a:t>
-            </a:r>
-          </a:p>
-          <a:p>
-            <a:r>
-              <a:rPr lang="en-US" dirty="0"/>
-              <a:t>Inductive Hypothesis:</a:t>
+            <a:endParaRPr lang="en-US" dirty="0"/>
+          </a:p>
+          <a:p>
+            <a:r>
+              <a:rPr lang="en-US" dirty="0"/>
+              <a:t>T(n) = 3^d * T((n/4)^d) + n * ∑((3/4)^d)</a:t>
+            </a:r>
+          </a:p>
+          <a:p>
+            <a:endParaRPr lang="en-US" dirty="0"/>
+          </a:p>
+          <a:p>
+            <a:r>
+              <a:rPr lang="en-US" dirty="0"/>
+              <a:t>We hit base case when:</a:t>
             </a:r>
           </a:p>
           <a:p>
             <a:pPr lvl="1"/>
             <a:r>
               <a:rPr lang="en-US" dirty="0"/>
-              <a:t>T(n) &lt;= c*n – d	    //d is a constant term. Note c*n-d &lt;= c*n</a:t>
+              <a:t>n/(4^d) = 1</a:t>
+            </a:r>
+          </a:p>
+          <a:p>
+            <a:pPr lvl="1"/>
+            <a:r>
+              <a:rPr lang="en-US" dirty="0"/>
+              <a:t>n = 4^d</a:t>
+            </a:r>
+          </a:p>
+          <a:p>
+            <a:pPr lvl="1"/>
+            <a:r>
+              <a:rPr lang="en-US" dirty="0"/>
+              <a:t>d = log4(n)	//seem familiar??</a:t>
             </a:r>
           </a:p>
           <a:p>
             <a:pPr lvl="1"/>
             <a:endParaRPr lang="en-US" dirty="0"/>
-          </a:p>
-          <a:p>
-            <a:r>
-              <a:rPr lang="en-US" dirty="0"/>
-              <a:t>Fix:</a:t>
-            </a:r>
-          </a:p>
-          <a:p>
-            <a:pPr lvl="1"/>
-            <a:r>
-              <a:rPr lang="en-US" dirty="0"/>
-              <a:t>T(n) = 2*T(n/2) + 1</a:t>
-            </a:r>
-          </a:p>
-          <a:p>
-            <a:pPr lvl="1"/>
-            <a:r>
-              <a:rPr lang="en-US" dirty="0"/>
-              <a:t>T(n) &lt;= 2(c*(n/2) - d) + 1</a:t>
-            </a:r>
-          </a:p>
-          <a:p>
-            <a:pPr lvl="1"/>
-            <a:r>
-              <a:rPr lang="en-US" dirty="0"/>
-              <a:t>T(n) &lt;= c*n -2d + 1</a:t>
-            </a:r>
-          </a:p>
-          <a:p>
-            <a:pPr lvl="1"/>
-            <a:r>
-              <a:rPr lang="en-US" dirty="0"/>
-              <a:t>T(n) &lt;= c*n		//as long as d &gt;= 1/2</a:t>
-            </a:r>
           </a:p>
           <a:p>
             <a:pPr lvl="1"/>
@@ -5621,7 +7644,7 @@
     </p:spTree>
     <p:extLst>
       <p:ext uri="{BB962C8B-B14F-4D97-AF65-F5344CB8AC3E}">
-        <p14:creationId xmlns:p14="http://schemas.microsoft.com/office/powerpoint/2010/main" val="2452005567"/>
+        <p14:creationId xmlns:p14="http://schemas.microsoft.com/office/powerpoint/2010/main" val="70493055"/>
       </p:ext>
     </p:extLst>
   </p:cSld>
@@ -5670,7 +7693,7 @@
           <a:p>
             <a:r>
               <a:rPr lang="en-US" dirty="0"/>
-              <a:t>Substitution Method: Another Pitfall</a:t>
+              <a:t>Unroll the recurrence</a:t>
             </a:r>
           </a:p>
         </p:txBody>
@@ -5695,7 +7718,7 @@
               <a:pPr/>
               <a:t>6</a:t>
             </a:fld>
-            <a:endParaRPr lang="en-US"/>
+            <a:endParaRPr lang="en-US" dirty="0"/>
           </a:p>
         </p:txBody>
       </p:sp>
@@ -5712,87 +7735,63 @@
             </p:custDataLst>
           </p:nvPr>
         </p:nvSpPr>
-        <p:spPr/>
+        <p:spPr>
+          <a:xfrm>
+            <a:off x="457199" y="1219200"/>
+            <a:ext cx="8467969" cy="4937760"/>
+          </a:xfrm>
+        </p:spPr>
         <p:txBody>
           <a:bodyPr>
             <a:normAutofit/>
           </a:bodyPr>
           <a:lstStyle/>
           <a:p>
-            <a:r>
-              <a:rPr lang="en-US" dirty="0"/>
-              <a:t>Consider </a:t>
-            </a:r>
-            <a:r>
-              <a:rPr lang="en-US" dirty="0" err="1"/>
-              <a:t>Mergesort</a:t>
-            </a:r>
-            <a:r>
-              <a:rPr lang="en-US" dirty="0"/>
-              <a:t> recurrence again:</a:t>
+            <a:endParaRPr lang="en-US" dirty="0"/>
+          </a:p>
+          <a:p>
+            <a:r>
+              <a:rPr lang="en-US" dirty="0"/>
+              <a:t>T(n) = </a:t>
+            </a:r>
+            <a:r>
+              <a:rPr lang="en-US" b="1" dirty="0"/>
+              <a:t>3^d * T(n/(4^d)) </a:t>
+            </a:r>
+            <a:r>
+              <a:rPr lang="en-US" dirty="0"/>
+              <a:t>+ n * ∑((3/4)^d)</a:t>
+            </a:r>
+          </a:p>
+          <a:p>
+            <a:endParaRPr lang="en-US" dirty="0"/>
+          </a:p>
+          <a:p>
+            <a:r>
+              <a:rPr lang="en-US" dirty="0"/>
+              <a:t>Let’s do one term at a time.</a:t>
+            </a:r>
+          </a:p>
+          <a:p>
+            <a:r>
+              <a:rPr lang="en-US" dirty="0"/>
+              <a:t>3^d * T(n/(4^d))</a:t>
+            </a:r>
+          </a:p>
+          <a:p>
+            <a:r>
+              <a:rPr lang="en-US" dirty="0"/>
+              <a:t>3^(log4(n)) * T(1)</a:t>
+            </a:r>
+          </a:p>
+          <a:p>
+            <a:r>
+              <a:rPr lang="en-US" dirty="0"/>
+              <a:t>3^(log4(n)) = n^(log4(3))		//huh? this is a log rule</a:t>
             </a:r>
           </a:p>
           <a:p>
             <a:pPr lvl="1"/>
-            <a:r>
-              <a:rPr lang="en-US" dirty="0"/>
-              <a:t>T(n) = 2*T(n/2) + n</a:t>
-            </a:r>
-          </a:p>
-          <a:p>
-            <a:r>
-              <a:rPr lang="en-US" dirty="0"/>
-              <a:t>Let’s make our guess:</a:t>
-            </a:r>
-          </a:p>
-          <a:p>
-            <a:pPr lvl="1"/>
-            <a:r>
-              <a:rPr lang="en-US" dirty="0"/>
-              <a:t>We are thinking O(n) </a:t>
-            </a:r>
-            <a:r>
-              <a:rPr lang="en-US" dirty="0">
-                <a:sym typeface="Wingdings" panose="05000000000000000000" pitchFamily="2" charset="2"/>
-              </a:rPr>
-              <a:t> Note that this is INCORRECT!</a:t>
-            </a:r>
-            <a:endParaRPr lang="en-US" dirty="0"/>
-          </a:p>
-          <a:p>
-            <a:r>
-              <a:rPr lang="en-US" dirty="0"/>
-              <a:t>Try to prove:</a:t>
-            </a:r>
-          </a:p>
-          <a:p>
-            <a:pPr lvl="1"/>
-            <a:r>
-              <a:rPr lang="en-US" dirty="0"/>
-              <a:t>T(n) &lt;= c*n</a:t>
-            </a:r>
-          </a:p>
-          <a:p>
-            <a:pPr lvl="1"/>
-            <a:endParaRPr lang="en-US" dirty="0"/>
-          </a:p>
-          <a:p>
-            <a:r>
-              <a:rPr lang="en-US" dirty="0"/>
-              <a:t>What happens?</a:t>
-            </a:r>
-          </a:p>
-          <a:p>
-            <a:r>
-              <a:rPr lang="en-US" dirty="0"/>
-              <a:t>On board </a:t>
-            </a:r>
-            <a:r>
-              <a:rPr lang="en-US" dirty="0">
-                <a:sym typeface="Wingdings" panose="05000000000000000000" pitchFamily="2" charset="2"/>
-              </a:rPr>
-              <a:t></a:t>
-            </a:r>
             <a:endParaRPr lang="en-US" dirty="0"/>
           </a:p>
         </p:txBody>
@@ -5800,7 +7799,7 @@
     </p:spTree>
     <p:extLst>
       <p:ext uri="{BB962C8B-B14F-4D97-AF65-F5344CB8AC3E}">
-        <p14:creationId xmlns:p14="http://schemas.microsoft.com/office/powerpoint/2010/main" val="1184517832"/>
+        <p14:creationId xmlns:p14="http://schemas.microsoft.com/office/powerpoint/2010/main" val="472979316"/>
       </p:ext>
     </p:extLst>
   </p:cSld>
@@ -5849,7 +7848,7 @@
           <a:p>
             <a:r>
               <a:rPr lang="en-US" dirty="0"/>
-              <a:t>Substitution Method: Pitfall Example</a:t>
+              <a:t>Unroll the recurrence</a:t>
             </a:r>
           </a:p>
         </p:txBody>
@@ -5874,7 +7873,7 @@
               <a:pPr/>
               <a:t>7</a:t>
             </a:fld>
-            <a:endParaRPr lang="en-US"/>
+            <a:endParaRPr lang="en-US" dirty="0"/>
           </a:p>
         </p:txBody>
       </p:sp>
@@ -5891,74 +7890,59 @@
             </p:custDataLst>
           </p:nvPr>
         </p:nvSpPr>
-        <p:spPr/>
+        <p:spPr>
+          <a:xfrm>
+            <a:off x="457199" y="1219200"/>
+            <a:ext cx="8467969" cy="4937760"/>
+          </a:xfrm>
+        </p:spPr>
         <p:txBody>
           <a:bodyPr>
             <a:normAutofit/>
           </a:bodyPr>
           <a:lstStyle/>
           <a:p>
-            <a:r>
-              <a:rPr lang="en-US" dirty="0"/>
-              <a:t>Attempt to prove:</a:t>
+            <a:endParaRPr lang="en-US" dirty="0"/>
+          </a:p>
+          <a:p>
+            <a:r>
+              <a:rPr lang="en-US" dirty="0"/>
+              <a:t>T(n) = 3^d * T(n/(4^d)) + </a:t>
+            </a:r>
+            <a:r>
+              <a:rPr lang="en-US" b="1" dirty="0"/>
+              <a:t>n * ∑((3/4)^d)</a:t>
+            </a:r>
+          </a:p>
+          <a:p>
+            <a:endParaRPr lang="en-US" dirty="0"/>
+          </a:p>
+          <a:p>
+            <a:r>
+              <a:rPr lang="en-US" dirty="0"/>
+              <a:t>Let’s do one term at a time.</a:t>
             </a:r>
           </a:p>
           <a:p>
             <a:pPr lvl="1"/>
             <a:r>
               <a:rPr lang="en-US" dirty="0"/>
-              <a:t>T(n) = 2*T(n/2) + n</a:t>
+              <a:t>n * ∑((3/4)^d).    //note summation part approaches 4 as d grows</a:t>
             </a:r>
           </a:p>
           <a:p>
             <a:pPr lvl="1"/>
             <a:r>
               <a:rPr lang="en-US" dirty="0"/>
-              <a:t>T(n) &lt;= 2*(c*n/2) + n</a:t>
-            </a:r>
-          </a:p>
-          <a:p>
-            <a:pPr lvl="1"/>
-            <a:r>
-              <a:rPr lang="en-US" dirty="0"/>
-              <a:t>T(n) &lt;= c*n + n</a:t>
-            </a:r>
-          </a:p>
-          <a:p>
-            <a:pPr lvl="1"/>
-            <a:endParaRPr lang="en-US" dirty="0"/>
-          </a:p>
-          <a:p>
-            <a:pPr algn="l"/>
-            <a:r>
-              <a:rPr lang="en-US" dirty="0"/>
-              <a:t>Again, need to prove EXACT form of inductive hypothesis.</a:t>
-            </a:r>
-          </a:p>
-          <a:p>
-            <a:pPr algn="l"/>
-            <a:r>
-              <a:rPr lang="en-US" dirty="0"/>
-              <a:t>Subtracting off a lower order term won’t help.</a:t>
-            </a:r>
-          </a:p>
-          <a:p>
-            <a:pPr lvl="1" algn="l"/>
-            <a:r>
-              <a:rPr lang="en-US" dirty="0"/>
-              <a:t>Why?</a:t>
-            </a:r>
-          </a:p>
-          <a:p>
-            <a:pPr lvl="1"/>
-            <a:endParaRPr lang="en-US" dirty="0"/>
+              <a:t>n * ∑((3/4)^d) &lt;= 4*n = Theta(n)</a:t>
+            </a:r>
           </a:p>
         </p:txBody>
       </p:sp>
     </p:spTree>
     <p:extLst>
       <p:ext uri="{BB962C8B-B14F-4D97-AF65-F5344CB8AC3E}">
-        <p14:creationId xmlns:p14="http://schemas.microsoft.com/office/powerpoint/2010/main" val="339372812"/>
+        <p14:creationId xmlns:p14="http://schemas.microsoft.com/office/powerpoint/2010/main" val="959955998"/>
       </p:ext>
     </p:extLst>
   </p:cSld>
@@ -5987,7 +7971,7 @@
       </p:grpSpPr>
       <p:sp>
         <p:nvSpPr>
-          <p:cNvPr id="41986" name="Rectangle 2"/>
+          <p:cNvPr id="36866" name="Rectangle 2"/>
           <p:cNvSpPr>
             <a:spLocks noGrp="1" noChangeArrowheads="1"/>
           </p:cNvSpPr>
@@ -6000,14 +7984,15 @@
         </p:nvSpPr>
         <p:spPr/>
         <p:txBody>
-          <a:bodyPr/>
-          <a:lstStyle/>
-          <a:p>
-            <a:r>
-              <a:rPr lang="en-US"/>
-              <a:t>The Master Theorem (from Cormen)</a:t>
-            </a:r>
-            <a:endParaRPr lang="en-US" dirty="0"/>
+          <a:bodyPr>
+            <a:normAutofit/>
+          </a:bodyPr>
+          <a:lstStyle/>
+          <a:p>
+            <a:r>
+              <a:rPr lang="en-US" dirty="0"/>
+              <a:t>Unroll the recurrence</a:t>
+            </a:r>
           </a:p>
         </p:txBody>
       </p:sp>
@@ -6031,13 +8016,13 @@
               <a:pPr/>
               <a:t>8</a:t>
             </a:fld>
-            <a:endParaRPr lang="en-US"/>
-          </a:p>
-        </p:txBody>
-      </p:sp>
-      <p:sp>
-        <p:nvSpPr>
-          <p:cNvPr id="41987" name="Rectangle 3"/>
+            <a:endParaRPr lang="en-US" dirty="0"/>
+          </a:p>
+        </p:txBody>
+      </p:sp>
+      <p:sp>
+        <p:nvSpPr>
+          <p:cNvPr id="36867" name="Rectangle 3"/>
           <p:cNvSpPr>
             <a:spLocks noGrp="1" noChangeArrowheads="1"/>
           </p:cNvSpPr>
@@ -6048,365 +8033,72 @@
             </p:custDataLst>
           </p:nvPr>
         </p:nvSpPr>
-        <p:spPr/>
+        <p:spPr>
+          <a:xfrm>
+            <a:off x="457199" y="1219200"/>
+            <a:ext cx="8467969" cy="4937760"/>
+          </a:xfrm>
+        </p:spPr>
         <p:txBody>
           <a:bodyPr>
-            <a:normAutofit lnSpcReduction="10000"/>
+            <a:normAutofit/>
           </a:bodyPr>
           <a:lstStyle/>
           <a:p>
-            <a:r>
-              <a:rPr lang="en-US" dirty="0"/>
-              <a:t>If  T(n) = </a:t>
-            </a:r>
-            <a:r>
-              <a:rPr lang="en-US" dirty="0">
-                <a:latin typeface="Times"/>
-                <a:cs typeface="Times"/>
-              </a:rPr>
-              <a:t>a T(n/b) + f(n) </a:t>
-            </a:r>
-          </a:p>
-          <a:p>
-            <a:pPr lvl="1"/>
-            <a:r>
-              <a:rPr lang="en-US" dirty="0"/>
-              <a:t>then let k = </a:t>
-            </a:r>
-            <a:r>
-              <a:rPr lang="en-US" dirty="0" err="1"/>
-              <a:t>lg</a:t>
-            </a:r>
-            <a:r>
-              <a:rPr lang="en-US" dirty="0"/>
-              <a:t> a / </a:t>
-            </a:r>
-            <a:r>
-              <a:rPr lang="en-US" dirty="0" err="1"/>
-              <a:t>lg</a:t>
-            </a:r>
-            <a:r>
-              <a:rPr lang="en-US" dirty="0"/>
-              <a:t> b = </a:t>
-            </a:r>
-            <a:r>
-              <a:rPr lang="en-US" dirty="0" err="1"/>
-              <a:t>log</a:t>
-            </a:r>
-            <a:r>
-              <a:rPr lang="en-US" baseline="-25000" dirty="0" err="1"/>
-              <a:t>b</a:t>
-            </a:r>
-            <a:r>
-              <a:rPr lang="en-US" dirty="0"/>
-              <a:t>(a) (critical exponent)</a:t>
-            </a:r>
-          </a:p>
-          <a:p>
-            <a:pPr lvl="1"/>
             <a:endParaRPr lang="en-US" dirty="0"/>
           </a:p>
           <a:p>
             <a:r>
               <a:rPr lang="en-US" dirty="0"/>
-              <a:t>Then three common cases based on how quickly T(n) grows</a:t>
-            </a:r>
-          </a:p>
-          <a:p>
-            <a:pPr lvl="1"/>
-            <a:r>
-              <a:rPr lang="en-US" dirty="0"/>
-              <a:t>If f(n) </a:t>
-            </a:r>
-            <a:r>
-              <a:rPr lang="en-US" dirty="0">
-                <a:sym typeface="Symbol" charset="2"/>
-              </a:rPr>
-              <a:t></a:t>
-            </a:r>
-            <a:r>
-              <a:rPr lang="en-US" dirty="0"/>
-              <a:t> O(</a:t>
-            </a:r>
-            <a:r>
-              <a:rPr lang="en-US" dirty="0" err="1"/>
-              <a:t>n</a:t>
-            </a:r>
-            <a:r>
-              <a:rPr lang="en-US" baseline="30000" dirty="0" err="1"/>
-              <a:t>k</a:t>
-            </a:r>
-            <a:r>
-              <a:rPr lang="en-US" baseline="30000" dirty="0"/>
-              <a:t>-</a:t>
-            </a:r>
-            <a:r>
-              <a:rPr lang="en-US" baseline="30000" dirty="0">
-                <a:sym typeface="Symbol" charset="2"/>
-              </a:rPr>
-              <a:t></a:t>
-            </a:r>
-            <a:r>
-              <a:rPr lang="en-US" dirty="0"/>
-              <a:t>) for some positive </a:t>
-            </a:r>
-            <a:r>
-              <a:rPr lang="en-US" dirty="0">
-                <a:sym typeface="Symbol" charset="2"/>
-              </a:rPr>
-              <a:t></a:t>
-            </a:r>
-            <a:r>
-              <a:rPr lang="en-US" dirty="0"/>
-              <a:t>, then T(n) </a:t>
-            </a:r>
-            <a:r>
-              <a:rPr lang="en-US" dirty="0">
-                <a:sym typeface="Symbol" charset="2"/>
-              </a:rPr>
-              <a:t></a:t>
-            </a:r>
-            <a:r>
-              <a:rPr lang="en-US" dirty="0"/>
-              <a:t> </a:t>
-            </a:r>
-            <a:r>
-              <a:rPr lang="en-US" dirty="0">
-                <a:sym typeface="Symbol" charset="2"/>
-              </a:rPr>
-              <a:t></a:t>
-            </a:r>
-            <a:r>
-              <a:rPr lang="en-US" dirty="0"/>
-              <a:t>(</a:t>
-            </a:r>
-            <a:r>
-              <a:rPr lang="en-US" dirty="0" err="1"/>
-              <a:t>n</a:t>
-            </a:r>
-            <a:r>
-              <a:rPr lang="en-US" baseline="30000" dirty="0" err="1"/>
-              <a:t>k</a:t>
-            </a:r>
-            <a:r>
-              <a:rPr lang="en-US" dirty="0"/>
-              <a:t>)</a:t>
-            </a:r>
-          </a:p>
-          <a:p>
-            <a:pPr lvl="1"/>
-            <a:r>
-              <a:rPr lang="en-US" dirty="0">
-                <a:sym typeface="Symbol" charset="2"/>
-              </a:rPr>
-              <a:t>If f(n) </a:t>
-            </a:r>
-            <a:r>
-              <a:rPr lang="en-US" dirty="0"/>
-              <a:t> </a:t>
-            </a:r>
-            <a:r>
-              <a:rPr lang="en-US" dirty="0">
-                <a:sym typeface="Symbol" charset="2"/>
-              </a:rPr>
-              <a:t></a:t>
-            </a:r>
-            <a:r>
-              <a:rPr lang="en-US" dirty="0"/>
-              <a:t>(</a:t>
-            </a:r>
-            <a:r>
-              <a:rPr lang="en-US" dirty="0" err="1"/>
-              <a:t>n</a:t>
-            </a:r>
-            <a:r>
-              <a:rPr lang="en-US" baseline="30000" dirty="0" err="1"/>
-              <a:t>k</a:t>
-            </a:r>
-            <a:r>
-              <a:rPr lang="en-US" dirty="0"/>
-              <a:t>) then T(n) </a:t>
-            </a:r>
-            <a:r>
-              <a:rPr lang="en-US" dirty="0">
-                <a:sym typeface="Symbol" charset="2"/>
-              </a:rPr>
-              <a:t></a:t>
-            </a:r>
-            <a:r>
-              <a:rPr lang="en-US" dirty="0"/>
-              <a:t> </a:t>
-            </a:r>
-            <a:r>
-              <a:rPr lang="en-US" dirty="0">
-                <a:sym typeface="Symbol" charset="2"/>
-              </a:rPr>
-              <a:t></a:t>
-            </a:r>
-            <a:r>
-              <a:rPr lang="en-US" dirty="0"/>
-              <a:t>( f(n) log(n) ) = </a:t>
-            </a:r>
-            <a:r>
-              <a:rPr lang="en-US" dirty="0">
-                <a:sym typeface="Symbol" charset="2"/>
-              </a:rPr>
-              <a:t></a:t>
-            </a:r>
-            <a:r>
-              <a:rPr lang="en-US" dirty="0"/>
-              <a:t>(</a:t>
-            </a:r>
-            <a:r>
-              <a:rPr lang="en-US" dirty="0" err="1"/>
-              <a:t>n</a:t>
-            </a:r>
-            <a:r>
-              <a:rPr lang="en-US" baseline="30000" dirty="0" err="1"/>
-              <a:t>k</a:t>
-            </a:r>
-            <a:r>
-              <a:rPr lang="en-US" dirty="0"/>
-              <a:t> log(n))</a:t>
-            </a:r>
-          </a:p>
-          <a:p>
-            <a:pPr lvl="1"/>
-            <a:r>
-              <a:rPr lang="en-US" dirty="0"/>
-              <a:t>If f(n) </a:t>
-            </a:r>
-            <a:r>
-              <a:rPr lang="en-US" dirty="0">
-                <a:sym typeface="Symbol" charset="2"/>
-              </a:rPr>
-              <a:t></a:t>
-            </a:r>
-            <a:r>
-              <a:rPr lang="en-US" dirty="0"/>
-              <a:t> </a:t>
-            </a:r>
-            <a:r>
-              <a:rPr lang="en-US" dirty="0">
-                <a:sym typeface="Symbol" charset="2"/>
-              </a:rPr>
-              <a:t>(</a:t>
-            </a:r>
-            <a:r>
-              <a:rPr lang="en-US" dirty="0" err="1"/>
-              <a:t>n</a:t>
-            </a:r>
-            <a:r>
-              <a:rPr lang="en-US" baseline="30000" dirty="0" err="1"/>
-              <a:t>k</a:t>
-            </a:r>
-            <a:r>
-              <a:rPr lang="en-US" baseline="30000" dirty="0"/>
-              <a:t>+</a:t>
-            </a:r>
-            <a:r>
-              <a:rPr lang="en-US" baseline="30000" dirty="0">
-                <a:sym typeface="Symbol" charset="2"/>
-              </a:rPr>
-              <a:t></a:t>
-            </a:r>
-            <a:r>
-              <a:rPr lang="en-US" dirty="0"/>
-              <a:t>) for some positive </a:t>
-            </a:r>
-            <a:r>
-              <a:rPr lang="en-US" dirty="0">
-                <a:sym typeface="Symbol" charset="2"/>
-              </a:rPr>
-              <a:t></a:t>
-            </a:r>
-            <a:r>
-              <a:rPr lang="en-US" dirty="0"/>
-              <a:t>, and </a:t>
-            </a:r>
-          </a:p>
-          <a:p>
-            <a:pPr marL="274320" lvl="1" indent="0">
-              <a:buNone/>
-            </a:pPr>
-            <a:r>
-              <a:rPr lang="en-US" dirty="0"/>
-              <a:t>      </a:t>
-            </a:r>
-            <a:r>
-              <a:rPr lang="en-US" i="1" dirty="0">
-                <a:latin typeface="Times"/>
-                <a:cs typeface="Times"/>
-              </a:rPr>
-              <a:t>a f(n/b) ≤ c f(n) </a:t>
-            </a:r>
-            <a:r>
-              <a:rPr lang="en-US" dirty="0"/>
-              <a:t>for some </a:t>
-            </a:r>
-            <a:r>
-              <a:rPr lang="en-US" i="1" dirty="0">
-                <a:latin typeface="Times"/>
-                <a:cs typeface="Times"/>
-              </a:rPr>
-              <a:t>c &lt; 1 </a:t>
-            </a:r>
-            <a:r>
-              <a:rPr lang="en-US" dirty="0"/>
-              <a:t>and sufficiently large </a:t>
-            </a:r>
-            <a:r>
-              <a:rPr lang="en-US" i="1" dirty="0"/>
-              <a:t>n</a:t>
-            </a:r>
-            <a:r>
-              <a:rPr lang="en-US" dirty="0"/>
-              <a:t>,</a:t>
-            </a:r>
-            <a:br>
-              <a:rPr lang="en-US" dirty="0"/>
-            </a:br>
-            <a:r>
-              <a:rPr lang="en-US" dirty="0"/>
-              <a:t>      then T(n) </a:t>
-            </a:r>
-            <a:r>
-              <a:rPr lang="en-US" dirty="0">
-                <a:sym typeface="Symbol" charset="2"/>
-              </a:rPr>
-              <a:t></a:t>
-            </a:r>
-            <a:r>
-              <a:rPr lang="en-US" dirty="0"/>
-              <a:t> </a:t>
-            </a:r>
-            <a:r>
-              <a:rPr lang="en-US" dirty="0">
-                <a:sym typeface="Symbol" charset="2"/>
-              </a:rPr>
-              <a:t></a:t>
-            </a:r>
-            <a:r>
-              <a:rPr lang="en-US" dirty="0"/>
-              <a:t>(f(n))</a:t>
-            </a:r>
-          </a:p>
-          <a:p>
-            <a:pPr lvl="1"/>
+              <a:t>T(n) = 3^d * T(n/(4^d)) + </a:t>
+            </a:r>
+            <a:r>
+              <a:rPr lang="en-US" b="1" dirty="0"/>
+              <a:t>n * ∑((3/4)^d)</a:t>
+            </a:r>
+          </a:p>
+          <a:p>
             <a:endParaRPr lang="en-US" dirty="0"/>
           </a:p>
           <a:p>
             <a:r>
               <a:rPr lang="en-US" dirty="0"/>
-              <a:t>Note: none of these cases may apply</a:t>
-            </a:r>
+              <a:t>T(n) = 3^(log4(n)) + Theta(n)</a:t>
+            </a:r>
+          </a:p>
+          <a:p>
+            <a:r>
+              <a:rPr lang="en-US" dirty="0"/>
+              <a:t>T(n) = n^(log4(3)) + Theta(n)      //log rules</a:t>
+            </a:r>
+          </a:p>
+          <a:p>
+            <a:endParaRPr lang="en-US" dirty="0"/>
+          </a:p>
+          <a:p>
+            <a:r>
+              <a:rPr lang="en-US" dirty="0"/>
+              <a:t>T(n) = o(n) + Theta(n)</a:t>
+            </a:r>
+          </a:p>
+          <a:p>
+            <a:endParaRPr lang="en-US" b="1" i="1" u="sng" dirty="0"/>
+          </a:p>
+          <a:p>
+            <a:r>
+              <a:rPr lang="en-US" b="1" i="1" u="sng" dirty="0"/>
+              <a:t>T(n) = Theta(n)</a:t>
+            </a:r>
+          </a:p>
+          <a:p>
+            <a:endParaRPr lang="en-US" dirty="0"/>
           </a:p>
         </p:txBody>
       </p:sp>
     </p:spTree>
     <p:extLst>
       <p:ext uri="{BB962C8B-B14F-4D97-AF65-F5344CB8AC3E}">
-        <p14:creationId xmlns:p14="http://schemas.microsoft.com/office/powerpoint/2010/main" val="2734617966"/>
+        <p14:creationId xmlns:p14="http://schemas.microsoft.com/office/powerpoint/2010/main" val="2849150774"/>
       </p:ext>
     </p:extLst>
   </p:cSld>
@@ -6435,15 +8127,12 @@
       </p:grpSpPr>
       <p:sp>
         <p:nvSpPr>
-          <p:cNvPr id="45058" name="Rectangle 2"/>
-          <p:cNvSpPr>
-            <a:spLocks noGrp="1" noChangeArrowheads="1"/>
+          <p:cNvPr id="4" name="Title 3"/>
+          <p:cNvSpPr>
+            <a:spLocks noGrp="1"/>
           </p:cNvSpPr>
           <p:nvPr>
             <p:ph type="title"/>
-            <p:custDataLst>
-              <p:tags r:id="rId1"/>
-            </p:custDataLst>
           </p:nvPr>
         </p:nvSpPr>
         <p:spPr/>
@@ -6452,17 +8141,34 @@
           <a:lstStyle/>
           <a:p>
             <a:r>
-              <a:rPr lang="en-US">
-                <a:sym typeface="Symbol" charset="2"/>
-              </a:rPr>
-              <a:t>Problems to Try</a:t>
-            </a:r>
-          </a:p>
-        </p:txBody>
-      </p:sp>
-      <p:sp>
-        <p:nvSpPr>
-          <p:cNvPr id="4" name="Slide Number Placeholder 3"/>
+              <a:rPr lang="en-US" dirty="0"/>
+              <a:t>Substitution Method Examples</a:t>
+            </a:r>
+          </a:p>
+        </p:txBody>
+      </p:sp>
+      <p:sp>
+        <p:nvSpPr>
+          <p:cNvPr id="5" name="Text Placeholder 4"/>
+          <p:cNvSpPr>
+            <a:spLocks noGrp="1"/>
+          </p:cNvSpPr>
+          <p:nvPr>
+            <p:ph type="body" idx="1"/>
+          </p:nvPr>
+        </p:nvSpPr>
+        <p:spPr/>
+        <p:txBody>
+          <a:bodyPr/>
+          <a:lstStyle/>
+          <a:p>
+            <a:endParaRPr lang="en-US"/>
+          </a:p>
+        </p:txBody>
+      </p:sp>
+      <p:sp>
+        <p:nvSpPr>
+          <p:cNvPr id="6" name="Slide Number Placeholder 5"/>
           <p:cNvSpPr>
             <a:spLocks noGrp="1"/>
           </p:cNvSpPr>
@@ -6484,78 +8190,12 @@
           </a:p>
         </p:txBody>
       </p:sp>
-      <p:sp>
-        <p:nvSpPr>
-          <p:cNvPr id="45059" name="Rectangle 3"/>
-          <p:cNvSpPr>
-            <a:spLocks noGrp="1" noChangeArrowheads="1"/>
-          </p:cNvSpPr>
-          <p:nvPr>
-            <p:ph sz="quarter" idx="1"/>
-            <p:custDataLst>
-              <p:tags r:id="rId2"/>
-            </p:custDataLst>
-          </p:nvPr>
-        </p:nvSpPr>
-        <p:spPr/>
-        <p:txBody>
-          <a:bodyPr>
-            <a:normAutofit/>
-          </a:bodyPr>
-          <a:lstStyle/>
-          <a:p>
-            <a:r>
-              <a:rPr lang="en-US" dirty="0">
-                <a:sym typeface="Symbol" charset="2"/>
-              </a:rPr>
-              <a:t>Let’s try these?</a:t>
-            </a:r>
-          </a:p>
-          <a:p>
-            <a:endParaRPr lang="en-US" dirty="0">
-              <a:sym typeface="Symbol" charset="2"/>
-            </a:endParaRPr>
-          </a:p>
-          <a:p>
-            <a:r>
-              <a:rPr lang="en-US" dirty="0">
-                <a:sym typeface="Symbol" charset="2"/>
-              </a:rPr>
-              <a:t>T(n) = 7T(n/3) + n^2</a:t>
-            </a:r>
-          </a:p>
-          <a:p>
-            <a:r>
-              <a:rPr lang="en-US" dirty="0">
-                <a:sym typeface="Symbol" charset="2"/>
-              </a:rPr>
-              <a:t>T(n) = 3T(n/3) + n/2</a:t>
-            </a:r>
-          </a:p>
-          <a:p>
-            <a:r>
-              <a:rPr lang="en-US" dirty="0">
-                <a:sym typeface="Symbol" charset="2"/>
-              </a:rPr>
-              <a:t>T(n) = 4T(n/2) + n / log(n)</a:t>
-            </a:r>
-          </a:p>
-          <a:p>
-            <a:r>
-              <a:rPr lang="en-US" dirty="0">
-                <a:sym typeface="Symbol" charset="2"/>
-              </a:rPr>
-              <a:t>T(n) = 3T(n/3) + n / log(n)</a:t>
-            </a:r>
-          </a:p>
-          <a:p>
-            <a:endParaRPr lang="en-US" dirty="0">
-              <a:sym typeface="Symbol" charset="2"/>
-            </a:endParaRPr>
-          </a:p>
-        </p:txBody>
-      </p:sp>
     </p:spTree>
+    <p:extLst>
+      <p:ext uri="{BB962C8B-B14F-4D97-AF65-F5344CB8AC3E}">
+        <p14:creationId xmlns:p14="http://schemas.microsoft.com/office/powerpoint/2010/main" val="415618784"/>
+      </p:ext>
+    </p:extLst>
   </p:cSld>
   <p:clrMapOvr>
     <a:masterClrMapping/>
@@ -6635,7 +8275,127 @@
 </p:tagLst>
 </file>
 
+<file path=ppt/tags/tag20.xml><?xml version="1.0" encoding="utf-8"?>
+<p:tagLst xmlns:a="http://schemas.openxmlformats.org/drawingml/2006/main" xmlns:r="http://schemas.openxmlformats.org/officeDocument/2006/relationships" xmlns:p="http://schemas.openxmlformats.org/presentationml/2006/main">
+  <p:tag name="_INSTRUCTOR VIEW19C14C36-AC8E-43BC-9DB6-C2AAF774C7DC|PANE__TAG" val="_"/>
+</p:tagLst>
+</file>
+
+<file path=ppt/tags/tag21.xml><?xml version="1.0" encoding="utf-8"?>
+<p:tagLst xmlns:a="http://schemas.openxmlformats.org/drawingml/2006/main" xmlns:r="http://schemas.openxmlformats.org/officeDocument/2006/relationships" xmlns:p="http://schemas.openxmlformats.org/presentationml/2006/main">
+  <p:tag name="_INSTRUCTOR VIEW19C14C36-AC8E-43BC-9DB6-C2AAF774C7DC|PANE__TAG" val="_"/>
+</p:tagLst>
+</file>
+
+<file path=ppt/tags/tag22.xml><?xml version="1.0" encoding="utf-8"?>
+<p:tagLst xmlns:a="http://schemas.openxmlformats.org/drawingml/2006/main" xmlns:r="http://schemas.openxmlformats.org/officeDocument/2006/relationships" xmlns:p="http://schemas.openxmlformats.org/presentationml/2006/main">
+  <p:tag name="_INSTRUCTOR VIEW19C14C36-AC8E-43BC-9DB6-C2AAF774C7DC|PANE__TAG" val="_"/>
+</p:tagLst>
+</file>
+
+<file path=ppt/tags/tag23.xml><?xml version="1.0" encoding="utf-8"?>
+<p:tagLst xmlns:a="http://schemas.openxmlformats.org/drawingml/2006/main" xmlns:r="http://schemas.openxmlformats.org/officeDocument/2006/relationships" xmlns:p="http://schemas.openxmlformats.org/presentationml/2006/main">
+  <p:tag name="_INSTRUCTOR VIEW19C14C36-AC8E-43BC-9DB6-C2AAF774C7DC|PANE__TAG" val="_"/>
+</p:tagLst>
+</file>
+
+<file path=ppt/tags/tag24.xml><?xml version="1.0" encoding="utf-8"?>
+<p:tagLst xmlns:a="http://schemas.openxmlformats.org/drawingml/2006/main" xmlns:r="http://schemas.openxmlformats.org/officeDocument/2006/relationships" xmlns:p="http://schemas.openxmlformats.org/presentationml/2006/main">
+  <p:tag name="_INSTRUCTOR VIEW19C14C36-AC8E-43BC-9DB6-C2AAF774C7DC|PANE__TAG" val="_"/>
+</p:tagLst>
+</file>
+
+<file path=ppt/tags/tag25.xml><?xml version="1.0" encoding="utf-8"?>
+<p:tagLst xmlns:a="http://schemas.openxmlformats.org/drawingml/2006/main" xmlns:r="http://schemas.openxmlformats.org/officeDocument/2006/relationships" xmlns:p="http://schemas.openxmlformats.org/presentationml/2006/main">
+  <p:tag name="_INSTRUCTOR VIEW19C14C36-AC8E-43BC-9DB6-C2AAF774C7DC|PANE__TAG" val="_"/>
+</p:tagLst>
+</file>
+
+<file path=ppt/tags/tag26.xml><?xml version="1.0" encoding="utf-8"?>
+<p:tagLst xmlns:a="http://schemas.openxmlformats.org/drawingml/2006/main" xmlns:r="http://schemas.openxmlformats.org/officeDocument/2006/relationships" xmlns:p="http://schemas.openxmlformats.org/presentationml/2006/main">
+  <p:tag name="_INSTRUCTOR VIEW19C14C36-AC8E-43BC-9DB6-C2AAF774C7DC|PANE__TAG" val="_"/>
+</p:tagLst>
+</file>
+
+<file path=ppt/tags/tag27.xml><?xml version="1.0" encoding="utf-8"?>
+<p:tagLst xmlns:a="http://schemas.openxmlformats.org/drawingml/2006/main" xmlns:r="http://schemas.openxmlformats.org/officeDocument/2006/relationships" xmlns:p="http://schemas.openxmlformats.org/presentationml/2006/main">
+  <p:tag name="_INSTRUCTOR VIEW19C14C36-AC8E-43BC-9DB6-C2AAF774C7DC|PANE__TAG" val="_"/>
+</p:tagLst>
+</file>
+
+<file path=ppt/tags/tag28.xml><?xml version="1.0" encoding="utf-8"?>
+<p:tagLst xmlns:a="http://schemas.openxmlformats.org/drawingml/2006/main" xmlns:r="http://schemas.openxmlformats.org/officeDocument/2006/relationships" xmlns:p="http://schemas.openxmlformats.org/presentationml/2006/main">
+  <p:tag name="_INSTRUCTOR VIEW19C14C36-AC8E-43BC-9DB6-C2AAF774C7DC|PANE__TAG" val="_"/>
+</p:tagLst>
+</file>
+
+<file path=ppt/tags/tag29.xml><?xml version="1.0" encoding="utf-8"?>
+<p:tagLst xmlns:a="http://schemas.openxmlformats.org/drawingml/2006/main" xmlns:r="http://schemas.openxmlformats.org/officeDocument/2006/relationships" xmlns:p="http://schemas.openxmlformats.org/presentationml/2006/main">
+  <p:tag name="_INSTRUCTOR VIEW19C14C36-AC8E-43BC-9DB6-C2AAF774C7DC|PANE__TAG" val="_"/>
+</p:tagLst>
+</file>
+
 <file path=ppt/tags/tag3.xml><?xml version="1.0" encoding="utf-8"?>
+<p:tagLst xmlns:a="http://schemas.openxmlformats.org/drawingml/2006/main" xmlns:r="http://schemas.openxmlformats.org/officeDocument/2006/relationships" xmlns:p="http://schemas.openxmlformats.org/presentationml/2006/main">
+  <p:tag name="_INSTRUCTOR VIEW19C14C36-AC8E-43BC-9DB6-C2AAF774C7DC|PANE__TAG" val="_"/>
+</p:tagLst>
+</file>
+
+<file path=ppt/tags/tag30.xml><?xml version="1.0" encoding="utf-8"?>
+<p:tagLst xmlns:a="http://schemas.openxmlformats.org/drawingml/2006/main" xmlns:r="http://schemas.openxmlformats.org/officeDocument/2006/relationships" xmlns:p="http://schemas.openxmlformats.org/presentationml/2006/main">
+  <p:tag name="_INSTRUCTOR VIEW19C14C36-AC8E-43BC-9DB6-C2AAF774C7DC|PANE__TAG" val="_"/>
+</p:tagLst>
+</file>
+
+<file path=ppt/tags/tag31.xml><?xml version="1.0" encoding="utf-8"?>
+<p:tagLst xmlns:a="http://schemas.openxmlformats.org/drawingml/2006/main" xmlns:r="http://schemas.openxmlformats.org/officeDocument/2006/relationships" xmlns:p="http://schemas.openxmlformats.org/presentationml/2006/main">
+  <p:tag name="_INSTRUCTOR VIEW19C14C36-AC8E-43BC-9DB6-C2AAF774C7DC|PANE__TAG" val="_"/>
+</p:tagLst>
+</file>
+
+<file path=ppt/tags/tag32.xml><?xml version="1.0" encoding="utf-8"?>
+<p:tagLst xmlns:a="http://schemas.openxmlformats.org/drawingml/2006/main" xmlns:r="http://schemas.openxmlformats.org/officeDocument/2006/relationships" xmlns:p="http://schemas.openxmlformats.org/presentationml/2006/main">
+  <p:tag name="_INSTRUCTOR VIEW19C14C36-AC8E-43BC-9DB6-C2AAF774C7DC|PANE__TAG" val="_"/>
+</p:tagLst>
+</file>
+
+<file path=ppt/tags/tag33.xml><?xml version="1.0" encoding="utf-8"?>
+<p:tagLst xmlns:a="http://schemas.openxmlformats.org/drawingml/2006/main" xmlns:r="http://schemas.openxmlformats.org/officeDocument/2006/relationships" xmlns:p="http://schemas.openxmlformats.org/presentationml/2006/main">
+  <p:tag name="_INSTRUCTOR VIEW19C14C36-AC8E-43BC-9DB6-C2AAF774C7DC|PANE__TAG" val="_"/>
+</p:tagLst>
+</file>
+
+<file path=ppt/tags/tag34.xml><?xml version="1.0" encoding="utf-8"?>
+<p:tagLst xmlns:a="http://schemas.openxmlformats.org/drawingml/2006/main" xmlns:r="http://schemas.openxmlformats.org/officeDocument/2006/relationships" xmlns:p="http://schemas.openxmlformats.org/presentationml/2006/main">
+  <p:tag name="_INSTRUCTOR VIEW19C14C36-AC8E-43BC-9DB6-C2AAF774C7DC|PANE__TAG" val="_"/>
+</p:tagLst>
+</file>
+
+<file path=ppt/tags/tag35.xml><?xml version="1.0" encoding="utf-8"?>
+<p:tagLst xmlns:a="http://schemas.openxmlformats.org/drawingml/2006/main" xmlns:r="http://schemas.openxmlformats.org/officeDocument/2006/relationships" xmlns:p="http://schemas.openxmlformats.org/presentationml/2006/main">
+  <p:tag name="_INSTRUCTOR VIEW19C14C36-AC8E-43BC-9DB6-C2AAF774C7DC|PANE__TAG" val="_"/>
+</p:tagLst>
+</file>
+
+<file path=ppt/tags/tag36.xml><?xml version="1.0" encoding="utf-8"?>
+<p:tagLst xmlns:a="http://schemas.openxmlformats.org/drawingml/2006/main" xmlns:r="http://schemas.openxmlformats.org/officeDocument/2006/relationships" xmlns:p="http://schemas.openxmlformats.org/presentationml/2006/main">
+  <p:tag name="_INSTRUCTOR VIEW19C14C36-AC8E-43BC-9DB6-C2AAF774C7DC|PANE__TAG" val="_"/>
+</p:tagLst>
+</file>
+
+<file path=ppt/tags/tag37.xml><?xml version="1.0" encoding="utf-8"?>
+<p:tagLst xmlns:a="http://schemas.openxmlformats.org/drawingml/2006/main" xmlns:r="http://schemas.openxmlformats.org/officeDocument/2006/relationships" xmlns:p="http://schemas.openxmlformats.org/presentationml/2006/main">
+  <p:tag name="_INSTRUCTOR VIEW19C14C36-AC8E-43BC-9DB6-C2AAF774C7DC|PANE__TAG" val="_"/>
+</p:tagLst>
+</file>
+
+<file path=ppt/tags/tag38.xml><?xml version="1.0" encoding="utf-8"?>
+<p:tagLst xmlns:a="http://schemas.openxmlformats.org/drawingml/2006/main" xmlns:r="http://schemas.openxmlformats.org/officeDocument/2006/relationships" xmlns:p="http://schemas.openxmlformats.org/presentationml/2006/main">
+  <p:tag name="_INSTRUCTOR VIEW19C14C36-AC8E-43BC-9DB6-C2AAF774C7DC|PANE__TAG" val="_"/>
+</p:tagLst>
+</file>
+
+<file path=ppt/tags/tag39.xml><?xml version="1.0" encoding="utf-8"?>
 <p:tagLst xmlns:a="http://schemas.openxmlformats.org/drawingml/2006/main" xmlns:r="http://schemas.openxmlformats.org/officeDocument/2006/relationships" xmlns:p="http://schemas.openxmlformats.org/presentationml/2006/main">
   <p:tag name="_INSTRUCTOR VIEW19C14C36-AC8E-43BC-9DB6-C2AAF774C7DC|PANE__TAG" val="_"/>
 </p:tagLst>

--- a/slides/recurrences_live.pptx
+++ b/slides/recurrences_live.pptx
@@ -4756,15 +4756,7 @@
             <a:pPr lvl="1"/>
             <a:r>
               <a:rPr lang="en-US" dirty="0"/>
-              <a:t>T(n) </a:t>
-            </a:r>
-            <a:r>
-              <a:rPr lang="en-US"/>
-              <a:t>= 2*T(n/2) </a:t>
-            </a:r>
-            <a:r>
-              <a:rPr lang="en-US" dirty="0"/>
-              <a:t>+ 1</a:t>
+              <a:t>T(n) = 2*T(n/2) + 1				T(1)=1</a:t>
             </a:r>
           </a:p>
           <a:p>

--- a/slides/recurrences_live.pptx
+++ b/slides/recurrences_live.pptx
@@ -1019,7 +1019,7 @@
             <a:fld id="{7AA5AD8F-F3B0-42A1-BADE-3E121779D997}" type="datetime1">
               <a:rPr lang="en-US" smtClean="0"/>
               <a:pPr/>
-              <a:t>2/8/21</a:t>
+              <a:t>2/10/21</a:t>
             </a:fld>
             <a:endParaRPr lang="en-US"/>
           </a:p>
@@ -1379,7 +1379,7 @@
             <a:fld id="{70B371D5-F170-4574-829E-67713AA2AF8B}" type="datetime1">
               <a:rPr lang="en-US" smtClean="0"/>
               <a:pPr/>
-              <a:t>2/8/21</a:t>
+              <a:t>2/10/21</a:t>
             </a:fld>
             <a:endParaRPr lang="en-US"/>
           </a:p>
@@ -1555,7 +1555,7 @@
             <a:fld id="{41DEAF00-D1FE-4F71-8891-85EEE31B7478}" type="datetime1">
               <a:rPr lang="en-US" smtClean="0"/>
               <a:pPr/>
-              <a:t>2/8/21</a:t>
+              <a:t>2/10/21</a:t>
             </a:fld>
             <a:endParaRPr lang="en-US"/>
           </a:p>
@@ -1872,7 +1872,7 @@
             <a:fld id="{94B9C8BD-ED75-4439-AD6B-9DD62AAFC8D9}" type="datetime1">
               <a:rPr lang="en-US" smtClean="0"/>
               <a:pPr/>
-              <a:t>2/8/21</a:t>
+              <a:t>2/10/21</a:t>
             </a:fld>
             <a:endParaRPr lang="en-US"/>
           </a:p>
@@ -2158,7 +2158,7 @@
             <a:fld id="{ECD93607-5884-4A96-A08B-80229D166DF1}" type="datetime1">
               <a:rPr lang="en-US" smtClean="0"/>
               <a:pPr/>
-              <a:t>2/8/21</a:t>
+              <a:t>2/10/21</a:t>
             </a:fld>
             <a:endParaRPr lang="en-US"/>
           </a:p>
@@ -2379,7 +2379,7 @@
             <a:fld id="{6F102B80-C461-45FB-9371-DFC9B0CCC0E5}" type="datetime1">
               <a:rPr lang="en-US" smtClean="0"/>
               <a:pPr/>
-              <a:t>2/8/21</a:t>
+              <a:t>2/10/21</a:t>
             </a:fld>
             <a:endParaRPr lang="en-US"/>
           </a:p>
@@ -2732,7 +2732,7 @@
             <a:fld id="{EA9CD99D-5207-446B-9DC5-D0DDD2D44051}" type="datetime1">
               <a:rPr lang="en-US" smtClean="0"/>
               <a:pPr/>
-              <a:t>2/8/21</a:t>
+              <a:t>2/10/21</a:t>
             </a:fld>
             <a:endParaRPr lang="en-US"/>
           </a:p>
@@ -2965,7 +2965,7 @@
             <a:fld id="{72673F1E-8F53-44C8-9921-41D9D265AD14}" type="datetime1">
               <a:rPr lang="en-US" smtClean="0"/>
               <a:pPr/>
-              <a:t>2/8/21</a:t>
+              <a:t>2/10/21</a:t>
             </a:fld>
             <a:endParaRPr lang="en-US"/>
           </a:p>
@@ -3107,7 +3107,7 @@
             <a:fld id="{E298527C-C606-48C4-B4D5-2567D6898083}" type="datetime1">
               <a:rPr lang="en-US" smtClean="0"/>
               <a:pPr/>
-              <a:t>2/8/21</a:t>
+              <a:t>2/10/21</a:t>
             </a:fld>
             <a:endParaRPr lang="en-US"/>
           </a:p>
@@ -3385,7 +3385,7 @@
             <a:fld id="{1539330C-42EA-483B-AECF-1BED7029D168}" type="datetime1">
               <a:rPr lang="en-US" smtClean="0"/>
               <a:pPr/>
-              <a:t>2/8/21</a:t>
+              <a:t>2/10/21</a:t>
             </a:fld>
             <a:endParaRPr lang="en-US"/>
           </a:p>
@@ -3793,7 +3793,7 @@
             <a:fld id="{6164C552-CBA0-44FF-B21C-CCB2A0CE4F32}" type="datetime1">
               <a:rPr lang="en-US" smtClean="0"/>
               <a:pPr/>
-              <a:t>2/8/21</a:t>
+              <a:t>2/10/21</a:t>
             </a:fld>
             <a:endParaRPr lang="en-US"/>
           </a:p>
@@ -4132,7 +4132,7 @@
             <a:fld id="{616F3C91-9847-4E06-A788-F916DE9E864B}" type="datetime1">
               <a:rPr lang="en-US" smtClean="0"/>
               <a:pPr/>
-              <a:t>2/8/21</a:t>
+              <a:t>2/10/21</a:t>
             </a:fld>
             <a:endParaRPr lang="en-US"/>
           </a:p>
@@ -7428,7 +7428,13 @@
           <a:p>
             <a:r>
               <a:rPr lang="en-US" dirty="0"/>
-              <a:t>T(n) = 3*[3*T(n/16)+n/4] + n = 9T(n/16) + (7/4)n</a:t>
+              <a:t>T(n) = 3*[3*T(n/16)+n/4] + n</a:t>
+            </a:r>
+          </a:p>
+          <a:p>
+            <a:r>
+              <a:rPr lang="en-US" dirty="0"/>
+              <a:t>        = 9T(n/16) + (7/4)n</a:t>
             </a:r>
           </a:p>
           <a:p>
@@ -7464,7 +7470,31 @@
           <a:p>
             <a:r>
               <a:rPr lang="en-US" dirty="0"/>
-              <a:t>T(n) = 3^d * T(n/(4^d)) + n * ∑((3/4)^d)   </a:t>
+              <a:t>T(n) = 3</a:t>
+            </a:r>
+            <a:r>
+              <a:rPr lang="en-US" baseline="30000" dirty="0"/>
+              <a:t>d</a:t>
+            </a:r>
+            <a:r>
+              <a:rPr lang="en-US" dirty="0"/>
+              <a:t> * T(n/4</a:t>
+            </a:r>
+            <a:r>
+              <a:rPr lang="en-US" baseline="30000" dirty="0"/>
+              <a:t>d</a:t>
+            </a:r>
+            <a:r>
+              <a:rPr lang="en-US" dirty="0"/>
+              <a:t>) + n * ∑(3/4)</a:t>
+            </a:r>
+            <a:r>
+              <a:rPr lang="en-US" baseline="30000" dirty="0"/>
+              <a:t>d-1</a:t>
+            </a:r>
+            <a:r>
+              <a:rPr lang="en-US" dirty="0"/>
+              <a:t>   </a:t>
             </a:r>
             <a:r>
               <a:rPr lang="en-US" i="1" u="sng" dirty="0">
@@ -7590,13 +7620,34 @@
           <a:p>
             <a:r>
               <a:rPr lang="en-US" dirty="0"/>
-              <a:t>T(n) = 3^d * T((n/4)^d) + n * ∑((3/4)^d)</a:t>
-            </a:r>
-          </a:p>
-          <a:p>
+              <a:t>T(n) = 3</a:t>
+            </a:r>
+            <a:r>
+              <a:rPr lang="en-US" baseline="30000" dirty="0"/>
+              <a:t>d</a:t>
+            </a:r>
+            <a:r>
+              <a:rPr lang="en-US" dirty="0"/>
+              <a:t> * T(n/4</a:t>
+            </a:r>
+            <a:r>
+              <a:rPr lang="en-US" baseline="30000" dirty="0"/>
+              <a:t>d</a:t>
+            </a:r>
+            <a:r>
+              <a:rPr lang="en-US" dirty="0"/>
+              <a:t>) + n * ∑(3/4)</a:t>
+            </a:r>
+            <a:r>
+              <a:rPr lang="en-US" baseline="30000" dirty="0"/>
+              <a:t>d-1</a:t>
+            </a:r>
             <a:endParaRPr lang="en-US" dirty="0"/>
           </a:p>
           <a:p>
+            <a:endParaRPr lang="en-US" dirty="0"/>
+          </a:p>
+          <a:p>
             <a:r>
               <a:rPr lang="en-US" dirty="0"/>
               <a:t>We hit base case when:</a:t>
@@ -7606,21 +7657,41 @@
             <a:pPr lvl="1"/>
             <a:r>
               <a:rPr lang="en-US" dirty="0"/>
-              <a:t>n/(4^d) = 1</a:t>
+              <a:t>n/(4</a:t>
+            </a:r>
+            <a:r>
+              <a:rPr lang="en-US" baseline="30000" dirty="0"/>
+              <a:t>d</a:t>
+            </a:r>
+            <a:r>
+              <a:rPr lang="en-US" dirty="0"/>
+              <a:t>) = 1</a:t>
             </a:r>
           </a:p>
           <a:p>
             <a:pPr lvl="1"/>
             <a:r>
               <a:rPr lang="en-US" dirty="0"/>
-              <a:t>n = 4^d</a:t>
+              <a:t>n = 4</a:t>
+            </a:r>
+            <a:r>
+              <a:rPr lang="en-US" baseline="30000" dirty="0"/>
+              <a:t>d</a:t>
             </a:r>
           </a:p>
           <a:p>
             <a:pPr lvl="1"/>
             <a:r>
               <a:rPr lang="en-US" dirty="0"/>
-              <a:t>d = log4(n)	//seem familiar??</a:t>
+              <a:t>d = log</a:t>
+            </a:r>
+            <a:r>
+              <a:rPr lang="en-US" baseline="-25000" dirty="0"/>
+              <a:t>4</a:t>
+            </a:r>
+            <a:r>
+              <a:rPr lang="en-US" dirty="0"/>
+              <a:t>(n)	                //seem familiar??</a:t>
             </a:r>
           </a:p>
           <a:p>
@@ -7748,17 +7819,38 @@
             </a:r>
             <a:r>
               <a:rPr lang="en-US" b="1" dirty="0"/>
-              <a:t>3^d * T(n/(4^d)) </a:t>
-            </a:r>
-            <a:r>
-              <a:rPr lang="en-US" dirty="0"/>
-              <a:t>+ n * ∑((3/4)^d)</a:t>
-            </a:r>
-          </a:p>
-          <a:p>
+              <a:t>3</a:t>
+            </a:r>
+            <a:r>
+              <a:rPr lang="en-US" b="1" baseline="30000" dirty="0"/>
+              <a:t>d</a:t>
+            </a:r>
+            <a:r>
+              <a:rPr lang="en-US" b="1" dirty="0"/>
+              <a:t> * T(n/4</a:t>
+            </a:r>
+            <a:r>
+              <a:rPr lang="en-US" b="1" baseline="30000" dirty="0"/>
+              <a:t>d</a:t>
+            </a:r>
+            <a:r>
+              <a:rPr lang="en-US" b="1" dirty="0"/>
+              <a:t>) </a:t>
+            </a:r>
+            <a:r>
+              <a:rPr lang="en-US" dirty="0"/>
+              <a:t>+ n * ∑(3/4)</a:t>
+            </a:r>
+            <a:r>
+              <a:rPr lang="en-US" baseline="30000" dirty="0"/>
+              <a:t>d</a:t>
+            </a:r>
             <a:endParaRPr lang="en-US" dirty="0"/>
           </a:p>
           <a:p>
+            <a:endParaRPr lang="en-US" dirty="0"/>
+          </a:p>
+          <a:p>
             <a:r>
               <a:rPr lang="en-US" dirty="0"/>
               <a:t>Let’s do one term at a time.</a:t>
@@ -7767,19 +7859,59 @@
           <a:p>
             <a:r>
               <a:rPr lang="en-US" dirty="0"/>
-              <a:t>3^d * T(n/(4^d))</a:t>
-            </a:r>
-          </a:p>
-          <a:p>
-            <a:r>
-              <a:rPr lang="en-US" dirty="0"/>
-              <a:t>3^(log4(n)) * T(1)</a:t>
-            </a:r>
-          </a:p>
-          <a:p>
-            <a:r>
-              <a:rPr lang="en-US" dirty="0"/>
-              <a:t>3^(log4(n)) = n^(log4(3))		//huh? this is a log rule</a:t>
+              <a:t>3</a:t>
+            </a:r>
+            <a:r>
+              <a:rPr lang="en-US" baseline="30000" dirty="0"/>
+              <a:t>d</a:t>
+            </a:r>
+            <a:r>
+              <a:rPr lang="en-US" dirty="0"/>
+              <a:t> * T(n/4</a:t>
+            </a:r>
+            <a:r>
+              <a:rPr lang="en-US" baseline="30000" dirty="0"/>
+              <a:t>d</a:t>
+            </a:r>
+            <a:r>
+              <a:rPr lang="en-US" dirty="0"/>
+              <a:t>)</a:t>
+            </a:r>
+          </a:p>
+          <a:p>
+            <a:r>
+              <a:rPr lang="en-US" dirty="0"/>
+              <a:t>3</a:t>
+            </a:r>
+            <a:r>
+              <a:rPr lang="en-US" baseline="30000" dirty="0"/>
+              <a:t>log4(n)</a:t>
+            </a:r>
+            <a:r>
+              <a:rPr lang="en-US" dirty="0"/>
+              <a:t> * T(1)</a:t>
+            </a:r>
+          </a:p>
+          <a:p>
+            <a:r>
+              <a:rPr lang="en-US" dirty="0"/>
+              <a:t>3</a:t>
+            </a:r>
+            <a:r>
+              <a:rPr lang="en-US" baseline="30000" dirty="0"/>
+              <a:t>log4(n)</a:t>
+            </a:r>
+            <a:r>
+              <a:rPr lang="en-US" dirty="0"/>
+              <a:t> = n</a:t>
+            </a:r>
+            <a:r>
+              <a:rPr lang="en-US" baseline="30000" dirty="0"/>
+              <a:t>log4(3)</a:t>
+            </a:r>
+            <a:r>
+              <a:rPr lang="en-US" dirty="0"/>
+              <a:t>		//huh? this is a log rule</a:t>
             </a:r>
           </a:p>
           <a:p>
@@ -7899,12 +8031,33 @@
           <a:p>
             <a:r>
               <a:rPr lang="en-US" dirty="0"/>
-              <a:t>T(n) = 3^d * T(n/(4^d)) + </a:t>
+              <a:t>T(n) = 3</a:t>
+            </a:r>
+            <a:r>
+              <a:rPr lang="en-US" baseline="30000" dirty="0"/>
+              <a:t>d</a:t>
+            </a:r>
+            <a:r>
+              <a:rPr lang="en-US" dirty="0"/>
+              <a:t> * T(n/(4</a:t>
+            </a:r>
+            <a:r>
+              <a:rPr lang="en-US" baseline="30000" dirty="0"/>
+              <a:t>d</a:t>
+            </a:r>
+            <a:r>
+              <a:rPr lang="en-US" dirty="0"/>
+              <a:t>)) + </a:t>
             </a:r>
             <a:r>
               <a:rPr lang="en-US" b="1" dirty="0"/>
-              <a:t>n * ∑((3/4)^d)</a:t>
-            </a:r>
+              <a:t>n * ∑(3/4)</a:t>
+            </a:r>
+            <a:r>
+              <a:rPr lang="en-US" b="1" baseline="30000" dirty="0"/>
+              <a:t>d-1</a:t>
+            </a:r>
+            <a:endParaRPr lang="en-US" b="1" dirty="0"/>
           </a:p>
           <a:p>
             <a:endParaRPr lang="en-US" dirty="0"/>
@@ -7919,14 +8072,34 @@
             <a:pPr lvl="1"/>
             <a:r>
               <a:rPr lang="en-US" dirty="0"/>
-              <a:t>n * ∑((3/4)^d).    //note summation part approaches 4 as d grows</a:t>
+              <a:t>n * ∑(3/4)</a:t>
+            </a:r>
+            <a:r>
+              <a:rPr lang="en-US" baseline="30000" dirty="0"/>
+              <a:t>d-1</a:t>
+            </a:r>
+            <a:r>
+              <a:rPr lang="en-US" dirty="0"/>
+              <a:t>       //note summation part approaches 4 as d grows</a:t>
             </a:r>
           </a:p>
           <a:p>
             <a:pPr lvl="1"/>
             <a:r>
               <a:rPr lang="en-US" dirty="0"/>
-              <a:t>n * ∑((3/4)^d) &lt;= 4*n = Theta(n)</a:t>
+              <a:t>n * ∑(3/4)</a:t>
+            </a:r>
+            <a:r>
+              <a:rPr lang="en-US" baseline="30000" dirty="0"/>
+              <a:t>d-1</a:t>
+            </a:r>
+            <a:r>
+              <a:rPr lang="en-US" dirty="0"/>
+              <a:t> &lt;= 4*n = </a:t>
+            </a:r>
+            <a:r>
+              <a:rPr lang="en-US" b="1" dirty="0"/>
+              <a:t>Theta(n)</a:t>
             </a:r>
           </a:p>
         </p:txBody>
@@ -8042,11 +8215,27 @@
           <a:p>
             <a:r>
               <a:rPr lang="en-US" dirty="0"/>
-              <a:t>T(n) = 3^d * T(n/(4^d)) + </a:t>
-            </a:r>
-            <a:r>
-              <a:rPr lang="en-US" b="1" dirty="0"/>
-              <a:t>n * ∑((3/4)^d)</a:t>
+              <a:t>T(n) = 3</a:t>
+            </a:r>
+            <a:r>
+              <a:rPr lang="en-US" baseline="30000" dirty="0"/>
+              <a:t>d</a:t>
+            </a:r>
+            <a:r>
+              <a:rPr lang="en-US" dirty="0"/>
+              <a:t> * T(n/4</a:t>
+            </a:r>
+            <a:r>
+              <a:rPr lang="en-US" baseline="30000" dirty="0"/>
+              <a:t>d</a:t>
+            </a:r>
+            <a:r>
+              <a:rPr lang="en-US" dirty="0"/>
+              <a:t>) + n * ∑(3/4)</a:t>
+            </a:r>
+            <a:r>
+              <a:rPr lang="en-US" baseline="30000" dirty="0"/>
+              <a:t>d</a:t>
             </a:r>
           </a:p>
           <a:p>
@@ -8055,13 +8244,29 @@
           <a:p>
             <a:r>
               <a:rPr lang="en-US" dirty="0"/>
-              <a:t>T(n) = 3^(log4(n)) + Theta(n)</a:t>
-            </a:r>
-          </a:p>
-          <a:p>
-            <a:r>
-              <a:rPr lang="en-US" dirty="0"/>
-              <a:t>T(n) = n^(log4(3)) + Theta(n)      //log rules</a:t>
+              <a:t>T(n) = 3</a:t>
+            </a:r>
+            <a:r>
+              <a:rPr lang="en-US" baseline="30000" dirty="0"/>
+              <a:t>log4(n)</a:t>
+            </a:r>
+            <a:r>
+              <a:rPr lang="en-US" dirty="0"/>
+              <a:t> + Theta(n)</a:t>
+            </a:r>
+          </a:p>
+          <a:p>
+            <a:r>
+              <a:rPr lang="en-US" dirty="0"/>
+              <a:t>T(n) = n</a:t>
+            </a:r>
+            <a:r>
+              <a:rPr lang="en-US" baseline="30000" dirty="0"/>
+              <a:t>log4(3)</a:t>
+            </a:r>
+            <a:r>
+              <a:rPr lang="en-US" dirty="0"/>
+              <a:t> + Theta(n)      //log rules</a:t>
             </a:r>
           </a:p>
           <a:p>
